--- a/PLPTH813Bioinformatis/2023/labs/lab02_unix.pptx
+++ b/PLPTH813Bioinformatis/2023/labs/lab02_unix.pptx
@@ -231,7 +231,7 @@
           <a:p>
             <a:fld id="{08E6E0A8-E17C-C949-B17E-7A1A6494483A}" type="datetimeFigureOut">
               <a:rPr lang="en-US" smtClean="0"/>
-              <a:t>1/23/23</a:t>
+              <a:t>1/25/23</a:t>
             </a:fld>
             <a:endParaRPr lang="en-US"/>
           </a:p>
@@ -889,7 +889,7 @@
           <a:p>
             <a:fld id="{42B8B0BE-C8D7-EB48-AD68-71DB5002F24B}" type="datetimeFigureOut">
               <a:rPr lang="en-US" smtClean="0"/>
-              <a:t>1/23/23</a:t>
+              <a:t>1/25/23</a:t>
             </a:fld>
             <a:endParaRPr lang="en-US"/>
           </a:p>
@@ -1057,7 +1057,7 @@
           <a:p>
             <a:fld id="{42B8B0BE-C8D7-EB48-AD68-71DB5002F24B}" type="datetimeFigureOut">
               <a:rPr lang="en-US" smtClean="0"/>
-              <a:t>1/23/23</a:t>
+              <a:t>1/25/23</a:t>
             </a:fld>
             <a:endParaRPr lang="en-US"/>
           </a:p>
@@ -1235,7 +1235,7 @@
           <a:p>
             <a:fld id="{42B8B0BE-C8D7-EB48-AD68-71DB5002F24B}" type="datetimeFigureOut">
               <a:rPr lang="en-US" smtClean="0"/>
-              <a:t>1/23/23</a:t>
+              <a:t>1/25/23</a:t>
             </a:fld>
             <a:endParaRPr lang="en-US"/>
           </a:p>
@@ -1403,7 +1403,7 @@
           <a:p>
             <a:fld id="{42B8B0BE-C8D7-EB48-AD68-71DB5002F24B}" type="datetimeFigureOut">
               <a:rPr lang="en-US" smtClean="0"/>
-              <a:t>1/23/23</a:t>
+              <a:t>1/25/23</a:t>
             </a:fld>
             <a:endParaRPr lang="en-US"/>
           </a:p>
@@ -1648,7 +1648,7 @@
           <a:p>
             <a:fld id="{42B8B0BE-C8D7-EB48-AD68-71DB5002F24B}" type="datetimeFigureOut">
               <a:rPr lang="en-US" smtClean="0"/>
-              <a:t>1/23/23</a:t>
+              <a:t>1/25/23</a:t>
             </a:fld>
             <a:endParaRPr lang="en-US"/>
           </a:p>
@@ -1933,7 +1933,7 @@
           <a:p>
             <a:fld id="{42B8B0BE-C8D7-EB48-AD68-71DB5002F24B}" type="datetimeFigureOut">
               <a:rPr lang="en-US" smtClean="0"/>
-              <a:t>1/23/23</a:t>
+              <a:t>1/25/23</a:t>
             </a:fld>
             <a:endParaRPr lang="en-US"/>
           </a:p>
@@ -2352,7 +2352,7 @@
           <a:p>
             <a:fld id="{42B8B0BE-C8D7-EB48-AD68-71DB5002F24B}" type="datetimeFigureOut">
               <a:rPr lang="en-US" smtClean="0"/>
-              <a:t>1/23/23</a:t>
+              <a:t>1/25/23</a:t>
             </a:fld>
             <a:endParaRPr lang="en-US"/>
           </a:p>
@@ -2469,7 +2469,7 @@
           <a:p>
             <a:fld id="{42B8B0BE-C8D7-EB48-AD68-71DB5002F24B}" type="datetimeFigureOut">
               <a:rPr lang="en-US" smtClean="0"/>
-              <a:t>1/23/23</a:t>
+              <a:t>1/25/23</a:t>
             </a:fld>
             <a:endParaRPr lang="en-US"/>
           </a:p>
@@ -2564,7 +2564,7 @@
           <a:p>
             <a:fld id="{42B8B0BE-C8D7-EB48-AD68-71DB5002F24B}" type="datetimeFigureOut">
               <a:rPr lang="en-US" smtClean="0"/>
-              <a:t>1/23/23</a:t>
+              <a:t>1/25/23</a:t>
             </a:fld>
             <a:endParaRPr lang="en-US"/>
           </a:p>
@@ -2839,7 +2839,7 @@
           <a:p>
             <a:fld id="{42B8B0BE-C8D7-EB48-AD68-71DB5002F24B}" type="datetimeFigureOut">
               <a:rPr lang="en-US" smtClean="0"/>
-              <a:t>1/23/23</a:t>
+              <a:t>1/25/23</a:t>
             </a:fld>
             <a:endParaRPr lang="en-US"/>
           </a:p>
@@ -3091,7 +3091,7 @@
           <a:p>
             <a:fld id="{42B8B0BE-C8D7-EB48-AD68-71DB5002F24B}" type="datetimeFigureOut">
               <a:rPr lang="en-US" smtClean="0"/>
-              <a:t>1/23/23</a:t>
+              <a:t>1/25/23</a:t>
             </a:fld>
             <a:endParaRPr lang="en-US"/>
           </a:p>
@@ -3302,7 +3302,7 @@
           <a:p>
             <a:fld id="{42B8B0BE-C8D7-EB48-AD68-71DB5002F24B}" type="datetimeFigureOut">
               <a:rPr lang="en-US" smtClean="0"/>
-              <a:t>1/23/23</a:t>
+              <a:t>1/25/23</a:t>
             </a:fld>
             <a:endParaRPr lang="en-US"/>
           </a:p>

--- a/PLPTH813Bioinformatis/2023/labs/lab02_unix.pptx
+++ b/PLPTH813Bioinformatis/2023/labs/lab02_unix.pptx
@@ -5,7 +5,7 @@
     <p:sldMasterId id="2147483648" r:id="rId1"/>
   </p:sldMasterIdLst>
   <p:notesMasterIdLst>
-    <p:notesMasterId r:id="rId26"/>
+    <p:notesMasterId r:id="rId27"/>
   </p:notesMasterIdLst>
   <p:sldIdLst>
     <p:sldId id="256" r:id="rId2"/>
@@ -21,17 +21,18 @@
     <p:sldId id="281" r:id="rId12"/>
     <p:sldId id="286" r:id="rId13"/>
     <p:sldId id="332" r:id="rId14"/>
-    <p:sldId id="322" r:id="rId15"/>
-    <p:sldId id="323" r:id="rId16"/>
-    <p:sldId id="328" r:id="rId17"/>
-    <p:sldId id="329" r:id="rId18"/>
-    <p:sldId id="330" r:id="rId19"/>
-    <p:sldId id="282" r:id="rId20"/>
-    <p:sldId id="285" r:id="rId21"/>
-    <p:sldId id="284" r:id="rId22"/>
-    <p:sldId id="335" r:id="rId23"/>
-    <p:sldId id="310" r:id="rId24"/>
-    <p:sldId id="288" r:id="rId25"/>
+    <p:sldId id="336" r:id="rId15"/>
+    <p:sldId id="322" r:id="rId16"/>
+    <p:sldId id="323" r:id="rId17"/>
+    <p:sldId id="328" r:id="rId18"/>
+    <p:sldId id="329" r:id="rId19"/>
+    <p:sldId id="330" r:id="rId20"/>
+    <p:sldId id="282" r:id="rId21"/>
+    <p:sldId id="285" r:id="rId22"/>
+    <p:sldId id="284" r:id="rId23"/>
+    <p:sldId id="335" r:id="rId24"/>
+    <p:sldId id="310" r:id="rId25"/>
+    <p:sldId id="288" r:id="rId26"/>
   </p:sldIdLst>
   <p:sldSz cx="9144000" cy="6858000" type="screen4x3"/>
   <p:notesSz cx="6858000" cy="9144000"/>
@@ -691,7 +692,7 @@
           <a:p>
             <a:fld id="{DC2B8C24-ACAE-AE41-B565-178ED93271F0}" type="slidenum">
               <a:rPr lang="en-US" smtClean="0"/>
-              <a:t>14</a:t>
+              <a:t>15</a:t>
             </a:fld>
             <a:endParaRPr lang="en-US"/>
           </a:p>
@@ -4100,6 +4101,39 @@
             </a:pPr>
             <a:r>
               <a:rPr lang="en-US" dirty="0"/>
+              <a:t>paste </a:t>
+            </a:r>
+            <a:r>
+              <a:rPr lang="en-US" dirty="0" err="1"/>
+              <a:t>adult.txt</a:t>
+            </a:r>
+            <a:r>
+              <a:rPr lang="en-US" dirty="0"/>
+              <a:t> </a:t>
+            </a:r>
+            <a:r>
+              <a:rPr lang="en-US" dirty="0" err="1"/>
+              <a:t>youth.txt</a:t>
+            </a:r>
+            <a:r>
+              <a:rPr lang="en-US" dirty="0"/>
+              <a:t> &gt; </a:t>
+            </a:r>
+            <a:r>
+              <a:rPr lang="en-US" dirty="0" err="1"/>
+              <a:t>two.merge.txt</a:t>
+            </a:r>
+            <a:r>
+              <a:rPr lang="en-US" dirty="0"/>
+              <a:t> </a:t>
+            </a:r>
+          </a:p>
+          <a:p>
+            <a:pPr marL="0" indent="0">
+              <a:buNone/>
+            </a:pPr>
+            <a:r>
+              <a:rPr lang="en-US" dirty="0"/>
               <a:t>grep "#" -v </a:t>
             </a:r>
             <a:r>
@@ -4495,7 +4529,7 @@
           <a:p>
             <a:r>
               <a:rPr lang="en-US" sz="4000" dirty="0"/>
-              <a:t>:%s/ /\t/g</a:t>
+              <a:t>:%s/\t/ /g</a:t>
             </a:r>
           </a:p>
           <a:p>
@@ -4535,784 +4569,61 @@
       </p:grpSpPr>
       <p:sp>
         <p:nvSpPr>
-          <p:cNvPr id="2" name="Title 1"/>
-          <p:cNvSpPr>
-            <a:spLocks noGrp="1"/>
-          </p:cNvSpPr>
-          <p:nvPr>
-            <p:ph type="title"/>
-          </p:nvPr>
-        </p:nvSpPr>
-        <p:spPr/>
-        <p:txBody>
-          <a:bodyPr/>
-          <a:lstStyle/>
-          <a:p>
-            <a:r>
-              <a:rPr lang="en-US" b="1" dirty="0">
-                <a:solidFill>
-                  <a:schemeClr val="accent1">
-                    <a:lumMod val="75000"/>
-                  </a:schemeClr>
-                </a:solidFill>
-              </a:rPr>
-              <a:t>sort</a:t>
-            </a:r>
-            <a:r>
-              <a:rPr lang="en-US" dirty="0"/>
-              <a:t> - sort lines of text files</a:t>
-            </a:r>
-          </a:p>
-        </p:txBody>
-      </p:sp>
-      <p:sp>
-        <p:nvSpPr>
-          <p:cNvPr id="3" name="Content Placeholder 2"/>
-          <p:cNvSpPr>
-            <a:spLocks noGrp="1"/>
-          </p:cNvSpPr>
-          <p:nvPr>
-            <p:ph idx="1"/>
-          </p:nvPr>
-        </p:nvSpPr>
-        <p:spPr>
-          <a:xfrm>
-            <a:off x="1347355" y="1171014"/>
-            <a:ext cx="2857500" cy="5212899"/>
-          </a:xfrm>
-        </p:spPr>
-        <p:txBody>
-          <a:bodyPr>
-            <a:noAutofit/>
-          </a:bodyPr>
-          <a:lstStyle/>
-          <a:p>
-            <a:pPr marL="0" indent="0">
-              <a:buNone/>
-            </a:pPr>
-            <a:r>
-              <a:rPr lang="en-US" sz="1600" b="1" dirty="0">
-                <a:latin typeface="Courier New"/>
-                <a:cs typeface="Courier New"/>
-              </a:rPr>
-              <a:t>cat </a:t>
-            </a:r>
-            <a:r>
-              <a:rPr lang="en-US" sz="1600" b="1" dirty="0" err="1">
-                <a:latin typeface="Courier New"/>
-                <a:cs typeface="Courier New"/>
-              </a:rPr>
-              <a:t>fruit.txt</a:t>
-            </a:r>
-            <a:r>
-              <a:rPr lang="en-US" sz="1600" b="1" dirty="0">
-                <a:latin typeface="Courier New"/>
-                <a:cs typeface="Courier New"/>
-              </a:rPr>
-              <a:t> </a:t>
-            </a:r>
-          </a:p>
-          <a:p>
-            <a:pPr marL="0" indent="0">
-              <a:buNone/>
-            </a:pPr>
-            <a:r>
-              <a:rPr lang="en-US" sz="1600" dirty="0">
-                <a:latin typeface="Courier New"/>
-                <a:cs typeface="Courier New"/>
-              </a:rPr>
-              <a:t>orange	8</a:t>
-            </a:r>
-          </a:p>
-          <a:p>
-            <a:pPr marL="0" indent="0">
-              <a:buNone/>
-            </a:pPr>
-            <a:r>
-              <a:rPr lang="en-US" sz="1600" dirty="0">
-                <a:latin typeface="Courier New"/>
-                <a:cs typeface="Courier New"/>
-              </a:rPr>
-              <a:t>apple	6</a:t>
-            </a:r>
-          </a:p>
-          <a:p>
-            <a:pPr marL="0" indent="0">
-              <a:buNone/>
-            </a:pPr>
-            <a:r>
-              <a:rPr lang="en-US" sz="1600" dirty="0">
-                <a:latin typeface="Courier New"/>
-                <a:cs typeface="Courier New"/>
-              </a:rPr>
-              <a:t>peach	12</a:t>
-            </a:r>
-          </a:p>
-          <a:p>
-            <a:pPr marL="0" indent="0">
-              <a:buNone/>
-            </a:pPr>
-            <a:r>
-              <a:rPr lang="en-US" sz="1600" dirty="0">
-                <a:latin typeface="Courier New"/>
-                <a:cs typeface="Courier New"/>
-              </a:rPr>
-              <a:t>banana	5</a:t>
-            </a:r>
-          </a:p>
-          <a:p>
-            <a:pPr marL="0" indent="0">
-              <a:buNone/>
-            </a:pPr>
-            <a:endParaRPr lang="en-US" sz="1600" b="1" dirty="0">
-              <a:latin typeface="Courier New"/>
-              <a:cs typeface="Courier New"/>
-            </a:endParaRPr>
-          </a:p>
-          <a:p>
-            <a:pPr marL="0" indent="0">
-              <a:buNone/>
-            </a:pPr>
-            <a:r>
-              <a:rPr lang="en-US" sz="1600" b="1" dirty="0">
-                <a:latin typeface="Courier New"/>
-                <a:cs typeface="Courier New"/>
-              </a:rPr>
-              <a:t>sort </a:t>
-            </a:r>
-            <a:r>
-              <a:rPr lang="en-US" sz="1600" b="1" dirty="0" err="1">
-                <a:latin typeface="Courier New"/>
-                <a:cs typeface="Courier New"/>
-              </a:rPr>
-              <a:t>fruit.txt</a:t>
-            </a:r>
-            <a:r>
-              <a:rPr lang="en-US" sz="1600" b="1" dirty="0">
-                <a:latin typeface="Courier New"/>
-                <a:cs typeface="Courier New"/>
-              </a:rPr>
-              <a:t> </a:t>
-            </a:r>
-          </a:p>
-          <a:p>
-            <a:pPr marL="0" indent="0">
-              <a:buNone/>
-            </a:pPr>
-            <a:r>
-              <a:rPr lang="en-US" sz="1600" dirty="0">
-                <a:latin typeface="Courier New"/>
-                <a:cs typeface="Courier New"/>
-              </a:rPr>
-              <a:t>apple	6</a:t>
-            </a:r>
-          </a:p>
-          <a:p>
-            <a:pPr marL="0" indent="0">
-              <a:buNone/>
-            </a:pPr>
-            <a:r>
-              <a:rPr lang="en-US" sz="1600" dirty="0">
-                <a:latin typeface="Courier New"/>
-                <a:cs typeface="Courier New"/>
-              </a:rPr>
-              <a:t>banana	5</a:t>
-            </a:r>
-          </a:p>
-          <a:p>
-            <a:pPr marL="0" indent="0">
-              <a:buNone/>
-            </a:pPr>
-            <a:r>
-              <a:rPr lang="en-US" sz="1600" dirty="0">
-                <a:latin typeface="Courier New"/>
-                <a:cs typeface="Courier New"/>
-              </a:rPr>
-              <a:t>orange	8</a:t>
-            </a:r>
-          </a:p>
-          <a:p>
-            <a:pPr marL="0" indent="0">
-              <a:buNone/>
-            </a:pPr>
-            <a:r>
-              <a:rPr lang="en-US" sz="1600" dirty="0">
-                <a:latin typeface="Courier New"/>
-                <a:cs typeface="Courier New"/>
-              </a:rPr>
-              <a:t>peach	12</a:t>
-            </a:r>
-          </a:p>
-          <a:p>
-            <a:pPr marL="0" indent="0">
-              <a:buNone/>
-            </a:pPr>
-            <a:endParaRPr lang="en-US" sz="1600" b="1" dirty="0">
-              <a:latin typeface="Courier New"/>
-              <a:cs typeface="Courier New"/>
-            </a:endParaRPr>
-          </a:p>
-          <a:p>
-            <a:pPr marL="0" indent="0">
-              <a:buNone/>
-            </a:pPr>
-            <a:r>
-              <a:rPr lang="en-US" sz="1600" b="1" dirty="0">
-                <a:latin typeface="Courier New"/>
-                <a:cs typeface="Courier New"/>
-              </a:rPr>
-              <a:t>sort -k 2 </a:t>
-            </a:r>
-            <a:r>
-              <a:rPr lang="en-US" sz="1600" b="1" dirty="0" err="1">
-                <a:latin typeface="Courier New"/>
-                <a:cs typeface="Courier New"/>
-              </a:rPr>
-              <a:t>fruit.txt</a:t>
-            </a:r>
-            <a:endParaRPr lang="en-US" sz="1600" b="1" dirty="0">
-              <a:latin typeface="Courier New"/>
-              <a:cs typeface="Courier New"/>
-            </a:endParaRPr>
-          </a:p>
-          <a:p>
-            <a:pPr marL="0" indent="0">
-              <a:buNone/>
-            </a:pPr>
-            <a:r>
-              <a:rPr lang="en-US" sz="1600" dirty="0">
-                <a:latin typeface="Courier New"/>
-                <a:cs typeface="Courier New"/>
-              </a:rPr>
-              <a:t>peach	12</a:t>
-            </a:r>
-          </a:p>
-          <a:p>
-            <a:pPr marL="0" indent="0">
-              <a:buNone/>
-            </a:pPr>
-            <a:r>
-              <a:rPr lang="en-US" sz="1600" dirty="0">
-                <a:latin typeface="Courier New"/>
-                <a:cs typeface="Courier New"/>
-              </a:rPr>
-              <a:t>banana	5</a:t>
-            </a:r>
-          </a:p>
-          <a:p>
-            <a:pPr marL="0" indent="0">
-              <a:buNone/>
-            </a:pPr>
-            <a:r>
-              <a:rPr lang="en-US" sz="1600" dirty="0">
-                <a:latin typeface="Courier New"/>
-                <a:cs typeface="Courier New"/>
-              </a:rPr>
-              <a:t>apple	6</a:t>
-            </a:r>
-          </a:p>
-          <a:p>
-            <a:pPr marL="0" indent="0">
-              <a:buNone/>
-            </a:pPr>
-            <a:r>
-              <a:rPr lang="en-US" sz="1600" dirty="0">
-                <a:latin typeface="Courier New"/>
-                <a:cs typeface="Courier New"/>
-              </a:rPr>
-              <a:t>orange	8</a:t>
-            </a:r>
-          </a:p>
-        </p:txBody>
-      </p:sp>
-      <p:sp>
-        <p:nvSpPr>
-          <p:cNvPr id="4" name="Slide Number Placeholder 3"/>
-          <p:cNvSpPr>
-            <a:spLocks noGrp="1"/>
-          </p:cNvSpPr>
-          <p:nvPr>
-            <p:ph type="sldNum" sz="quarter" idx="12"/>
-          </p:nvPr>
-        </p:nvSpPr>
-        <p:spPr/>
-        <p:txBody>
-          <a:bodyPr/>
-          <a:lstStyle/>
-          <a:p>
-            <a:fld id="{9DA039C4-C5F2-1743-BB7A-5D831266C61E}" type="slidenum">
-              <a:rPr lang="en-US" smtClean="0"/>
-              <a:t>14</a:t>
-            </a:fld>
-            <a:endParaRPr lang="en-US"/>
-          </a:p>
-        </p:txBody>
-      </p:sp>
-      <p:sp>
-        <p:nvSpPr>
-          <p:cNvPr id="7" name="Content Placeholder 2"/>
-          <p:cNvSpPr txBox="1">
-            <a:spLocks/>
-          </p:cNvSpPr>
-          <p:nvPr/>
-        </p:nvSpPr>
-        <p:spPr>
-          <a:xfrm>
-            <a:off x="4856448" y="1171014"/>
-            <a:ext cx="3265715" cy="5185336"/>
-          </a:xfrm>
-          <a:prstGeom prst="rect">
-            <a:avLst/>
-          </a:prstGeom>
-        </p:spPr>
-        <p:txBody>
-          <a:bodyPr vert="horz" lIns="91440" tIns="45720" rIns="91440" bIns="45720" rtlCol="0">
-            <a:noAutofit/>
-          </a:bodyPr>
-          <a:lstStyle>
-            <a:lvl1pPr marL="342900" indent="-342900" algn="l" defTabSz="457200" rtl="0" eaLnBrk="1" latinLnBrk="0" hangingPunct="1">
-              <a:spcBef>
-                <a:spcPct val="20000"/>
-              </a:spcBef>
-              <a:buFont typeface="Arial"/>
-              <a:buChar char="•"/>
-              <a:defRPr sz="2400" kern="1200">
-                <a:solidFill>
-                  <a:schemeClr val="tx1"/>
-                </a:solidFill>
-                <a:latin typeface="+mn-lt"/>
-                <a:ea typeface="+mn-ea"/>
-                <a:cs typeface="+mn-cs"/>
-              </a:defRPr>
-            </a:lvl1pPr>
-            <a:lvl2pPr marL="742950" indent="-285750" algn="l" defTabSz="457200" rtl="0" eaLnBrk="1" latinLnBrk="0" hangingPunct="1">
-              <a:spcBef>
-                <a:spcPct val="20000"/>
-              </a:spcBef>
-              <a:buFont typeface="Arial"/>
-              <a:buChar char="–"/>
-              <a:defRPr sz="2400" kern="1200">
-                <a:solidFill>
-                  <a:schemeClr val="tx1"/>
-                </a:solidFill>
-                <a:latin typeface="+mn-lt"/>
-                <a:ea typeface="+mn-ea"/>
-                <a:cs typeface="+mn-cs"/>
-              </a:defRPr>
-            </a:lvl2pPr>
-            <a:lvl3pPr marL="1143000" indent="-228600" algn="l" defTabSz="457200" rtl="0" eaLnBrk="1" latinLnBrk="0" hangingPunct="1">
-              <a:spcBef>
-                <a:spcPct val="20000"/>
-              </a:spcBef>
-              <a:buFont typeface="Arial"/>
-              <a:buChar char="•"/>
-              <a:defRPr sz="2400" kern="1200">
-                <a:solidFill>
-                  <a:schemeClr val="tx1"/>
-                </a:solidFill>
-                <a:latin typeface="+mn-lt"/>
-                <a:ea typeface="+mn-ea"/>
-                <a:cs typeface="+mn-cs"/>
-              </a:defRPr>
-            </a:lvl3pPr>
-            <a:lvl4pPr marL="1600200" indent="-228600" algn="l" defTabSz="457200" rtl="0" eaLnBrk="1" latinLnBrk="0" hangingPunct="1">
-              <a:spcBef>
-                <a:spcPct val="20000"/>
-              </a:spcBef>
-              <a:buFont typeface="Arial"/>
-              <a:buChar char="–"/>
-              <a:defRPr sz="2400" kern="1200">
-                <a:solidFill>
-                  <a:schemeClr val="tx1"/>
-                </a:solidFill>
-                <a:latin typeface="+mn-lt"/>
-                <a:ea typeface="+mn-ea"/>
-                <a:cs typeface="+mn-cs"/>
-              </a:defRPr>
-            </a:lvl4pPr>
-            <a:lvl5pPr marL="2057400" indent="-228600" algn="l" defTabSz="457200" rtl="0" eaLnBrk="1" latinLnBrk="0" hangingPunct="1">
-              <a:spcBef>
-                <a:spcPct val="20000"/>
-              </a:spcBef>
-              <a:buFont typeface="Arial"/>
-              <a:buChar char="»"/>
-              <a:defRPr sz="2400" kern="1200">
-                <a:solidFill>
-                  <a:schemeClr val="tx1"/>
-                </a:solidFill>
-                <a:latin typeface="+mn-lt"/>
-                <a:ea typeface="+mn-ea"/>
-                <a:cs typeface="+mn-cs"/>
-              </a:defRPr>
-            </a:lvl5pPr>
-            <a:lvl6pPr marL="2514600" indent="-228600" algn="l" defTabSz="457200" rtl="0" eaLnBrk="1" latinLnBrk="0" hangingPunct="1">
-              <a:spcBef>
-                <a:spcPct val="20000"/>
-              </a:spcBef>
-              <a:buFont typeface="Arial"/>
-              <a:buChar char="•"/>
-              <a:defRPr sz="2000" kern="1200">
-                <a:solidFill>
-                  <a:schemeClr val="tx1"/>
-                </a:solidFill>
-                <a:latin typeface="+mn-lt"/>
-                <a:ea typeface="+mn-ea"/>
-                <a:cs typeface="+mn-cs"/>
-              </a:defRPr>
-            </a:lvl6pPr>
-            <a:lvl7pPr marL="2971800" indent="-228600" algn="l" defTabSz="457200" rtl="0" eaLnBrk="1" latinLnBrk="0" hangingPunct="1">
-              <a:spcBef>
-                <a:spcPct val="20000"/>
-              </a:spcBef>
-              <a:buFont typeface="Arial"/>
-              <a:buChar char="•"/>
-              <a:defRPr sz="2000" kern="1200">
-                <a:solidFill>
-                  <a:schemeClr val="tx1"/>
-                </a:solidFill>
-                <a:latin typeface="+mn-lt"/>
-                <a:ea typeface="+mn-ea"/>
-                <a:cs typeface="+mn-cs"/>
-              </a:defRPr>
-            </a:lvl7pPr>
-            <a:lvl8pPr marL="3429000" indent="-228600" algn="l" defTabSz="457200" rtl="0" eaLnBrk="1" latinLnBrk="0" hangingPunct="1">
-              <a:spcBef>
-                <a:spcPct val="20000"/>
-              </a:spcBef>
-              <a:buFont typeface="Arial"/>
-              <a:buChar char="•"/>
-              <a:defRPr sz="2000" kern="1200">
-                <a:solidFill>
-                  <a:schemeClr val="tx1"/>
-                </a:solidFill>
-                <a:latin typeface="+mn-lt"/>
-                <a:ea typeface="+mn-ea"/>
-                <a:cs typeface="+mn-cs"/>
-              </a:defRPr>
-            </a:lvl8pPr>
-            <a:lvl9pPr marL="3886200" indent="-228600" algn="l" defTabSz="457200" rtl="0" eaLnBrk="1" latinLnBrk="0" hangingPunct="1">
-              <a:spcBef>
-                <a:spcPct val="20000"/>
-              </a:spcBef>
-              <a:buFont typeface="Arial"/>
-              <a:buChar char="•"/>
-              <a:defRPr sz="2000" kern="1200">
-                <a:solidFill>
-                  <a:schemeClr val="tx1"/>
-                </a:solidFill>
-                <a:latin typeface="+mn-lt"/>
-                <a:ea typeface="+mn-ea"/>
-                <a:cs typeface="+mn-cs"/>
-              </a:defRPr>
-            </a:lvl9pPr>
-          </a:lstStyle>
-          <a:p>
-            <a:pPr marL="0" indent="0">
-              <a:buFont typeface="Arial"/>
-              <a:buNone/>
-            </a:pPr>
-            <a:r>
-              <a:rPr lang="en-US" sz="1600" b="1" dirty="0">
-                <a:latin typeface="Courier New"/>
-                <a:cs typeface="Courier New"/>
-              </a:rPr>
-              <a:t>sort -k 2n </a:t>
-            </a:r>
-            <a:r>
-              <a:rPr lang="en-US" sz="1600" b="1" dirty="0" err="1">
-                <a:latin typeface="Courier New"/>
-                <a:cs typeface="Courier New"/>
-              </a:rPr>
-              <a:t>fruit.txt</a:t>
-            </a:r>
-            <a:endParaRPr lang="en-US" sz="1600" b="1" dirty="0">
-              <a:latin typeface="Courier New"/>
-              <a:cs typeface="Courier New"/>
-            </a:endParaRPr>
-          </a:p>
-          <a:p>
-            <a:pPr marL="0" indent="0">
-              <a:buFont typeface="Arial"/>
-              <a:buNone/>
-            </a:pPr>
-            <a:r>
-              <a:rPr lang="en-US" sz="1600" dirty="0">
-                <a:latin typeface="Courier New"/>
-                <a:cs typeface="Courier New"/>
-              </a:rPr>
-              <a:t>banana	5</a:t>
-            </a:r>
-          </a:p>
-          <a:p>
-            <a:pPr marL="0" indent="0">
-              <a:buFont typeface="Arial"/>
-              <a:buNone/>
-            </a:pPr>
-            <a:r>
-              <a:rPr lang="en-US" sz="1600" dirty="0">
-                <a:latin typeface="Courier New"/>
-                <a:cs typeface="Courier New"/>
-              </a:rPr>
-              <a:t>apple	6</a:t>
-            </a:r>
-          </a:p>
-          <a:p>
-            <a:pPr marL="0" indent="0">
-              <a:buFont typeface="Arial"/>
-              <a:buNone/>
-            </a:pPr>
-            <a:r>
-              <a:rPr lang="en-US" sz="1600" dirty="0">
-                <a:latin typeface="Courier New"/>
-                <a:cs typeface="Courier New"/>
-              </a:rPr>
-              <a:t>orange	8</a:t>
-            </a:r>
-          </a:p>
-          <a:p>
-            <a:pPr marL="0" indent="0">
-              <a:buFont typeface="Arial"/>
-              <a:buNone/>
-            </a:pPr>
-            <a:r>
-              <a:rPr lang="en-US" sz="1600" dirty="0">
-                <a:latin typeface="Courier New"/>
-                <a:cs typeface="Courier New"/>
-              </a:rPr>
-              <a:t>peach	12</a:t>
-            </a:r>
-          </a:p>
-          <a:p>
-            <a:pPr marL="0" indent="0">
-              <a:buFont typeface="Arial"/>
-              <a:buNone/>
-            </a:pPr>
-            <a:endParaRPr lang="en-US" sz="1600" dirty="0">
-              <a:latin typeface="Courier New"/>
-              <a:cs typeface="Courier New"/>
-            </a:endParaRPr>
-          </a:p>
-          <a:p>
-            <a:pPr marL="0" indent="0">
-              <a:buFont typeface="Arial"/>
-              <a:buNone/>
-            </a:pPr>
-            <a:r>
-              <a:rPr lang="en-US" sz="1600" b="1" dirty="0">
-                <a:latin typeface="Courier New"/>
-                <a:cs typeface="Courier New"/>
-              </a:rPr>
-              <a:t>sort -k 2nr </a:t>
-            </a:r>
-            <a:r>
-              <a:rPr lang="en-US" sz="1600" b="1" dirty="0" err="1">
-                <a:latin typeface="Courier New"/>
-                <a:cs typeface="Courier New"/>
-              </a:rPr>
-              <a:t>fruit.txt</a:t>
-            </a:r>
-            <a:endParaRPr lang="en-US" sz="1600" b="1" dirty="0">
-              <a:latin typeface="Courier New"/>
-              <a:cs typeface="Courier New"/>
-            </a:endParaRPr>
-          </a:p>
-          <a:p>
-            <a:pPr marL="0" indent="0">
-              <a:buFont typeface="Arial"/>
-              <a:buNone/>
-            </a:pPr>
-            <a:r>
-              <a:rPr lang="en-US" sz="1600" dirty="0">
-                <a:latin typeface="Courier New"/>
-                <a:cs typeface="Courier New"/>
-              </a:rPr>
-              <a:t>peach	12</a:t>
-            </a:r>
-          </a:p>
-          <a:p>
-            <a:pPr marL="0" indent="0">
-              <a:buFont typeface="Arial"/>
-              <a:buNone/>
-            </a:pPr>
-            <a:r>
-              <a:rPr lang="en-US" sz="1600" dirty="0">
-                <a:latin typeface="Courier New"/>
-                <a:cs typeface="Courier New"/>
-              </a:rPr>
-              <a:t>orange	8</a:t>
-            </a:r>
-          </a:p>
-          <a:p>
-            <a:pPr marL="0" indent="0">
-              <a:buFont typeface="Arial"/>
-              <a:buNone/>
-            </a:pPr>
-            <a:r>
-              <a:rPr lang="en-US" sz="1600" dirty="0">
-                <a:latin typeface="Courier New"/>
-                <a:cs typeface="Courier New"/>
-              </a:rPr>
-              <a:t>apple	6</a:t>
-            </a:r>
-          </a:p>
-          <a:p>
-            <a:pPr marL="0" indent="0">
-              <a:buFont typeface="Arial"/>
-              <a:buNone/>
-            </a:pPr>
-            <a:r>
-              <a:rPr lang="en-US" sz="1600" dirty="0">
-                <a:latin typeface="Courier New"/>
-                <a:cs typeface="Courier New"/>
-              </a:rPr>
-              <a:t>banana	5</a:t>
-            </a:r>
-          </a:p>
-          <a:p>
-            <a:pPr marL="0" indent="0">
-              <a:buNone/>
-            </a:pPr>
-            <a:endParaRPr lang="en-US" sz="1600" dirty="0">
-              <a:latin typeface="Courier New"/>
-              <a:cs typeface="Courier New"/>
-            </a:endParaRPr>
-          </a:p>
-          <a:p>
-            <a:pPr marL="0" indent="0">
-              <a:buNone/>
-            </a:pPr>
-            <a:r>
-              <a:rPr lang="en-US" sz="1600" b="1" dirty="0">
-                <a:latin typeface="Courier New"/>
-                <a:cs typeface="Courier New"/>
-              </a:rPr>
-              <a:t>sort -k 1,2 </a:t>
-            </a:r>
-            <a:r>
-              <a:rPr lang="en-US" sz="1600" b="1" dirty="0" err="1">
-                <a:latin typeface="Courier New"/>
-                <a:cs typeface="Courier New"/>
-              </a:rPr>
-              <a:t>fruit.txt</a:t>
-            </a:r>
-            <a:endParaRPr lang="en-US" sz="1600" b="1" dirty="0">
-              <a:latin typeface="Courier New"/>
-              <a:cs typeface="Courier New"/>
-            </a:endParaRPr>
-          </a:p>
-          <a:p>
-            <a:pPr marL="0" indent="0">
-              <a:buNone/>
-            </a:pPr>
-            <a:r>
-              <a:rPr lang="en-US" sz="1600" dirty="0">
-                <a:latin typeface="Courier New"/>
-                <a:cs typeface="Courier New"/>
-              </a:rPr>
-              <a:t>apple	6</a:t>
-            </a:r>
-          </a:p>
-          <a:p>
-            <a:pPr marL="0" indent="0">
-              <a:buNone/>
-            </a:pPr>
-            <a:r>
-              <a:rPr lang="en-US" sz="1600" dirty="0">
-                <a:latin typeface="Courier New"/>
-                <a:cs typeface="Courier New"/>
-              </a:rPr>
-              <a:t>banana	5</a:t>
-            </a:r>
-          </a:p>
-          <a:p>
-            <a:pPr marL="0" indent="0">
-              <a:buNone/>
-            </a:pPr>
-            <a:r>
-              <a:rPr lang="en-US" sz="1600" dirty="0">
-                <a:latin typeface="Courier New"/>
-                <a:cs typeface="Courier New"/>
-              </a:rPr>
-              <a:t>orange	8</a:t>
-            </a:r>
-          </a:p>
-          <a:p>
-            <a:pPr marL="0" indent="0">
-              <a:buNone/>
-            </a:pPr>
-            <a:r>
-              <a:rPr lang="en-US" sz="1600" dirty="0">
-                <a:latin typeface="Courier New"/>
-                <a:cs typeface="Courier New"/>
-              </a:rPr>
-              <a:t>peach	12</a:t>
-            </a:r>
-          </a:p>
-          <a:p>
-            <a:pPr marL="0" indent="0">
-              <a:buFont typeface="Arial"/>
-              <a:buNone/>
-            </a:pPr>
-            <a:endParaRPr lang="en-US" sz="1600" dirty="0">
-              <a:latin typeface="Courier New"/>
-              <a:cs typeface="Courier New"/>
-            </a:endParaRPr>
-          </a:p>
-        </p:txBody>
-      </p:sp>
-      <p:sp>
-        <p:nvSpPr>
-          <p:cNvPr id="5" name="TextBox 4">
+          <p:cNvPr id="2" name="Title 1">
             <a:extLst>
               <a:ext uri="{FF2B5EF4-FFF2-40B4-BE49-F238E27FC236}">
-                <a16:creationId xmlns:a16="http://schemas.microsoft.com/office/drawing/2014/main" id="{4CF24953-EFD8-494E-B897-61869CF37AD3}"/>
+                <a16:creationId xmlns:a16="http://schemas.microsoft.com/office/drawing/2014/main" id="{C06B9DB0-032F-CF5D-B44A-3C0CE37EC439}"/>
               </a:ext>
             </a:extLst>
           </p:cNvPr>
-          <p:cNvSpPr txBox="1"/>
-          <p:nvPr/>
-        </p:nvSpPr>
-        <p:spPr>
-          <a:xfrm>
-            <a:off x="1705288" y="6236219"/>
-            <a:ext cx="6636753" cy="461665"/>
-          </a:xfrm>
-          <a:prstGeom prst="rect">
-            <a:avLst/>
-          </a:prstGeom>
-          <a:noFill/>
-        </p:spPr>
-        <p:txBody>
-          <a:bodyPr wrap="none" rtlCol="0">
-            <a:spAutoFit/>
-          </a:bodyPr>
-          <a:lstStyle/>
-          <a:p>
-            <a:r>
-              <a:rPr lang="en-US" sz="2400" dirty="0">
-                <a:latin typeface="Courier" pitchFamily="2" charset="0"/>
-              </a:rPr>
-              <a:t>Try:  sort -k1,1 -k2n,2 </a:t>
-            </a:r>
-            <a:r>
-              <a:rPr lang="en-US" sz="2400" dirty="0" err="1">
-                <a:latin typeface="Courier" pitchFamily="2" charset="0"/>
-              </a:rPr>
-              <a:t>fruit.txt</a:t>
-            </a:r>
-            <a:r>
-              <a:rPr lang="en-US" sz="2400" dirty="0">
-                <a:latin typeface="Courier" pitchFamily="2" charset="0"/>
-              </a:rPr>
-              <a:t> </a:t>
-            </a:r>
+          <p:cNvSpPr>
+            <a:spLocks noGrp="1"/>
+          </p:cNvSpPr>
+          <p:nvPr>
+            <p:ph type="title"/>
+          </p:nvPr>
+        </p:nvSpPr>
+        <p:spPr/>
+        <p:txBody>
+          <a:bodyPr/>
+          <a:lstStyle/>
+          <a:p>
+            <a:r>
+              <a:rPr lang="en-US" dirty="0"/>
+              <a:t>To be continue</a:t>
+            </a:r>
+          </a:p>
+        </p:txBody>
+      </p:sp>
+      <p:sp>
+        <p:nvSpPr>
+          <p:cNvPr id="3" name="Content Placeholder 2">
+            <a:extLst>
+              <a:ext uri="{FF2B5EF4-FFF2-40B4-BE49-F238E27FC236}">
+                <a16:creationId xmlns:a16="http://schemas.microsoft.com/office/drawing/2014/main" id="{5C6E8113-2C6B-6181-8CEB-4CDF5D55168D}"/>
+              </a:ext>
+            </a:extLst>
+          </p:cNvPr>
+          <p:cNvSpPr>
+            <a:spLocks noGrp="1"/>
+          </p:cNvSpPr>
+          <p:nvPr>
+            <p:ph idx="1"/>
+          </p:nvPr>
+        </p:nvSpPr>
+        <p:spPr/>
+        <p:txBody>
+          <a:bodyPr/>
+          <a:lstStyle/>
+          <a:p>
+            <a:endParaRPr lang="en-US" dirty="0"/>
           </a:p>
         </p:txBody>
       </p:sp>
     </p:spTree>
     <p:extLst>
       <p:ext uri="{BB962C8B-B14F-4D97-AF65-F5344CB8AC3E}">
-        <p14:creationId xmlns:p14="http://schemas.microsoft.com/office/powerpoint/2010/main" val="1995425990"/>
+        <p14:creationId xmlns:p14="http://schemas.microsoft.com/office/powerpoint/2010/main" val="845068339"/>
       </p:ext>
     </p:extLst>
   </p:cSld>
@@ -5357,14 +4668,16 @@
             <a:r>
               <a:rPr lang="en-US" b="1" dirty="0">
                 <a:solidFill>
-                  <a:srgbClr val="376092"/>
-                </a:solidFill>
-              </a:rPr>
-              <a:t>find</a:t>
+                  <a:schemeClr val="accent1">
+                    <a:lumMod val="75000"/>
+                  </a:schemeClr>
+                </a:solidFill>
+              </a:rPr>
+              <a:t>sort</a:t>
             </a:r>
             <a:r>
               <a:rPr lang="en-US" dirty="0"/>
-              <a:t> - search for files in a directory hierarchy</a:t>
+              <a:t> - sort lines of text files</a:t>
             </a:r>
           </a:p>
         </p:txBody>
@@ -5381,8 +4694,8 @@
         </p:nvSpPr>
         <p:spPr>
           <a:xfrm>
-            <a:off x="1155700" y="1397576"/>
-            <a:ext cx="6527800" cy="4533324"/>
+            <a:off x="1347355" y="1171014"/>
+            <a:ext cx="2857500" cy="5212899"/>
           </a:xfrm>
         </p:spPr>
         <p:txBody>
@@ -5395,21 +4708,80 @@
               <a:buNone/>
             </a:pPr>
             <a:r>
-              <a:rPr lang="en-US" sz="1800" b="1" dirty="0">
-                <a:solidFill>
-                  <a:srgbClr val="376092"/>
-                </a:solidFill>
+              <a:rPr lang="en-US" sz="1600" b="1" dirty="0">
                 <a:latin typeface="Courier New"/>
                 <a:cs typeface="Courier New"/>
               </a:rPr>
-              <a:t>find [pathnames] [conditions]</a:t>
-            </a:r>
-          </a:p>
-          <a:p>
-            <a:pPr marL="0" indent="0">
-              <a:buNone/>
-            </a:pPr>
-            <a:endParaRPr lang="en-US" sz="1800" dirty="0">
+              <a:t>cat </a:t>
+            </a:r>
+            <a:r>
+              <a:rPr lang="en-US" sz="1600" b="1" dirty="0" err="1">
+                <a:latin typeface="Courier New"/>
+                <a:cs typeface="Courier New"/>
+              </a:rPr>
+              <a:t>fruit.txt</a:t>
+            </a:r>
+            <a:r>
+              <a:rPr lang="en-US" sz="1600" b="1" dirty="0">
+                <a:latin typeface="Courier New"/>
+                <a:cs typeface="Courier New"/>
+              </a:rPr>
+              <a:t> </a:t>
+            </a:r>
+          </a:p>
+          <a:p>
+            <a:pPr marL="0" indent="0">
+              <a:buNone/>
+            </a:pPr>
+            <a:r>
+              <a:rPr lang="en-US" sz="1600" dirty="0">
+                <a:latin typeface="Courier New"/>
+                <a:cs typeface="Courier New"/>
+              </a:rPr>
+              <a:t>orange	8</a:t>
+            </a:r>
+          </a:p>
+          <a:p>
+            <a:pPr marL="0" indent="0">
+              <a:buNone/>
+            </a:pPr>
+            <a:r>
+              <a:rPr lang="en-US" sz="1600" dirty="0">
+                <a:latin typeface="Courier New"/>
+                <a:cs typeface="Courier New"/>
+              </a:rPr>
+              <a:t>apple	6</a:t>
+            </a:r>
+          </a:p>
+          <a:p>
+            <a:pPr marL="0" indent="0">
+              <a:buNone/>
+            </a:pPr>
+            <a:r>
+              <a:rPr lang="en-US" sz="1600" dirty="0">
+                <a:latin typeface="Courier New"/>
+                <a:cs typeface="Courier New"/>
+              </a:rPr>
+              <a:t>peach	12</a:t>
+            </a:r>
+          </a:p>
+          <a:p>
+            <a:pPr marL="0" indent="0">
+              <a:buNone/>
+            </a:pPr>
+            <a:r>
+              <a:rPr lang="en-US" sz="1600" dirty="0">
+                <a:latin typeface="Courier New"/>
+                <a:cs typeface="Courier New"/>
+              </a:rPr>
+              <a:t>banana	5</a:t>
+            </a:r>
+          </a:p>
+          <a:p>
+            <a:pPr marL="0" indent="0">
+              <a:buNone/>
+            </a:pPr>
+            <a:endParaRPr lang="en-US" sz="1600" b="1" dirty="0">
               <a:latin typeface="Courier New"/>
               <a:cs typeface="Courier New"/>
             </a:endParaRPr>
@@ -5419,30 +4791,80 @@
               <a:buNone/>
             </a:pPr>
             <a:r>
-              <a:rPr lang="en-US" sz="1800" dirty="0">
+              <a:rPr lang="en-US" sz="1600" b="1" dirty="0">
                 <a:latin typeface="Courier New"/>
                 <a:cs typeface="Courier New"/>
               </a:rPr>
-              <a:t># Finding files &gt;10M</a:t>
-            </a:r>
-          </a:p>
-          <a:p>
-            <a:pPr marL="0" indent="0">
-              <a:buNone/>
-            </a:pPr>
-            <a:r>
-              <a:rPr lang="en-US" sz="1800" dirty="0">
+              <a:t>sort </a:t>
+            </a:r>
+            <a:r>
+              <a:rPr lang="en-US" sz="1600" b="1" dirty="0" err="1">
                 <a:latin typeface="Courier New"/>
                 <a:cs typeface="Courier New"/>
               </a:rPr>
-              <a:t>find . -size +10M</a:t>
-            </a:r>
-          </a:p>
-          <a:p>
-            <a:pPr marL="0" indent="0">
-              <a:buNone/>
-            </a:pPr>
-            <a:endParaRPr lang="en-US" sz="1800" dirty="0">
+              <a:t>fruit.txt</a:t>
+            </a:r>
+            <a:r>
+              <a:rPr lang="en-US" sz="1600" b="1" dirty="0">
+                <a:latin typeface="Courier New"/>
+                <a:cs typeface="Courier New"/>
+              </a:rPr>
+              <a:t> </a:t>
+            </a:r>
+          </a:p>
+          <a:p>
+            <a:pPr marL="0" indent="0">
+              <a:buNone/>
+            </a:pPr>
+            <a:r>
+              <a:rPr lang="en-US" sz="1600" dirty="0">
+                <a:latin typeface="Courier New"/>
+                <a:cs typeface="Courier New"/>
+              </a:rPr>
+              <a:t>apple	6</a:t>
+            </a:r>
+          </a:p>
+          <a:p>
+            <a:pPr marL="0" indent="0">
+              <a:buNone/>
+            </a:pPr>
+            <a:r>
+              <a:rPr lang="en-US" sz="1600" dirty="0">
+                <a:latin typeface="Courier New"/>
+                <a:cs typeface="Courier New"/>
+              </a:rPr>
+              <a:t>banana	5</a:t>
+            </a:r>
+          </a:p>
+          <a:p>
+            <a:pPr marL="0" indent="0">
+              <a:buNone/>
+            </a:pPr>
+            <a:r>
+              <a:rPr lang="en-US" sz="1600" dirty="0">
+                <a:latin typeface="Courier New"/>
+                <a:cs typeface="Courier New"/>
+              </a:rPr>
+              <a:t>orange	8</a:t>
+            </a:r>
+          </a:p>
+          <a:p>
+            <a:pPr marL="0" indent="0">
+              <a:buNone/>
+            </a:pPr>
+            <a:r>
+              <a:rPr lang="en-US" sz="1600" dirty="0">
+                <a:latin typeface="Courier New"/>
+                <a:cs typeface="Courier New"/>
+              </a:rPr>
+              <a:t>peach	12</a:t>
+            </a:r>
+          </a:p>
+          <a:p>
+            <a:pPr marL="0" indent="0">
+              <a:buNone/>
+            </a:pPr>
+            <a:endParaRPr lang="en-US" sz="1600" b="1" dirty="0">
               <a:latin typeface="Courier New"/>
               <a:cs typeface="Courier New"/>
             </a:endParaRPr>
@@ -5452,30 +4874,20 @@
               <a:buNone/>
             </a:pPr>
             <a:r>
-              <a:rPr lang="en-US" sz="1800" dirty="0">
+              <a:rPr lang="en-US" sz="1600" b="1" dirty="0">
                 <a:latin typeface="Courier New"/>
                 <a:cs typeface="Courier New"/>
               </a:rPr>
-              <a:t># Finding files &lt;10M</a:t>
-            </a:r>
-          </a:p>
-          <a:p>
-            <a:pPr marL="0" indent="0">
-              <a:buNone/>
-            </a:pPr>
-            <a:r>
-              <a:rPr lang="en-US" sz="1800" dirty="0">
+              <a:t>sort -k 2 </a:t>
+            </a:r>
+            <a:r>
+              <a:rPr lang="en-US" sz="1600" b="1" dirty="0" err="1">
                 <a:latin typeface="Courier New"/>
                 <a:cs typeface="Courier New"/>
               </a:rPr>
-              <a:t>find . -size -10M</a:t>
-            </a:r>
-          </a:p>
-          <a:p>
-            <a:pPr marL="0" indent="0">
-              <a:buNone/>
-            </a:pPr>
-            <a:endParaRPr lang="en-US" sz="1800" dirty="0">
+              <a:t>fruit.txt</a:t>
+            </a:r>
+            <a:endParaRPr lang="en-US" sz="1600" b="1" dirty="0">
               <a:latin typeface="Courier New"/>
               <a:cs typeface="Courier New"/>
             </a:endParaRPr>
@@ -5485,108 +4897,48 @@
               <a:buNone/>
             </a:pPr>
             <a:r>
-              <a:rPr lang="en-US" sz="1800" dirty="0">
+              <a:rPr lang="en-US" sz="1600" dirty="0">
                 <a:latin typeface="Courier New"/>
                 <a:cs typeface="Courier New"/>
               </a:rPr>
-              <a:t># find a file</a:t>
-            </a:r>
-          </a:p>
-          <a:p>
-            <a:pPr marL="0" indent="0">
-              <a:buNone/>
-            </a:pPr>
-            <a:r>
-              <a:rPr lang="en-US" sz="1800" dirty="0">
+              <a:t>peach	12</a:t>
+            </a:r>
+          </a:p>
+          <a:p>
+            <a:pPr marL="0" indent="0">
+              <a:buNone/>
+            </a:pPr>
+            <a:r>
+              <a:rPr lang="en-US" sz="1600" dirty="0">
                 <a:latin typeface="Courier New"/>
                 <a:cs typeface="Courier New"/>
               </a:rPr>
-              <a:t>find -name "</a:t>
-            </a:r>
-            <a:r>
-              <a:rPr lang="en-US" sz="1800" dirty="0" err="1">
+              <a:t>banana	5</a:t>
+            </a:r>
+          </a:p>
+          <a:p>
+            <a:pPr marL="0" indent="0">
+              <a:buNone/>
+            </a:pPr>
+            <a:r>
+              <a:rPr lang="en-US" sz="1600" dirty="0">
                 <a:latin typeface="Courier New"/>
                 <a:cs typeface="Courier New"/>
               </a:rPr>
-              <a:t>fruit.txt</a:t>
-            </a:r>
-            <a:r>
-              <a:rPr lang="en-US" sz="1800" dirty="0">
+              <a:t>apple	6</a:t>
+            </a:r>
+          </a:p>
+          <a:p>
+            <a:pPr marL="0" indent="0">
+              <a:buNone/>
+            </a:pPr>
+            <a:r>
+              <a:rPr lang="en-US" sz="1600" dirty="0">
                 <a:latin typeface="Courier New"/>
                 <a:cs typeface="Courier New"/>
               </a:rPr>
-              <a:t>"</a:t>
-            </a:r>
-          </a:p>
-          <a:p>
-            <a:pPr marL="0" indent="0">
-              <a:buNone/>
-            </a:pPr>
-            <a:endParaRPr lang="en-US" sz="1800" dirty="0">
-              <a:latin typeface="Courier New"/>
-              <a:cs typeface="Courier New"/>
-            </a:endParaRPr>
-          </a:p>
-          <a:p>
-            <a:pPr marL="0" indent="0">
-              <a:buNone/>
-            </a:pPr>
-            <a:r>
-              <a:rPr lang="en-US" sz="1800" dirty="0">
-                <a:latin typeface="Courier New"/>
-                <a:cs typeface="Courier New"/>
-              </a:rPr>
-              <a:t># find a file in the current directory</a:t>
-            </a:r>
-          </a:p>
-          <a:p>
-            <a:pPr marL="0" indent="0">
-              <a:buNone/>
-            </a:pPr>
-            <a:r>
-              <a:rPr lang="en-US" sz="1800" dirty="0">
-                <a:latin typeface="Courier New"/>
-                <a:cs typeface="Courier New"/>
-              </a:rPr>
-              <a:t>find -</a:t>
-            </a:r>
-            <a:r>
-              <a:rPr lang="en-US" sz="1800" dirty="0" err="1">
-                <a:latin typeface="Courier New"/>
-                <a:cs typeface="Courier New"/>
-              </a:rPr>
-              <a:t>maxdepth</a:t>
-            </a:r>
-            <a:r>
-              <a:rPr lang="en-US" sz="1800" dirty="0">
-                <a:latin typeface="Courier New"/>
-                <a:cs typeface="Courier New"/>
-              </a:rPr>
-              <a:t> 1 -name "</a:t>
-            </a:r>
-            <a:r>
-              <a:rPr lang="en-US" sz="1800" dirty="0" err="1">
-                <a:latin typeface="Courier New"/>
-                <a:cs typeface="Courier New"/>
-              </a:rPr>
-              <a:t>fruit.txt</a:t>
-            </a:r>
-            <a:r>
-              <a:rPr lang="en-US" sz="1800" dirty="0">
-                <a:latin typeface="Courier New"/>
-                <a:cs typeface="Courier New"/>
-              </a:rPr>
-              <a:t>"</a:t>
-            </a:r>
-          </a:p>
-          <a:p>
-            <a:pPr marL="0" indent="0">
-              <a:buNone/>
-            </a:pPr>
-            <a:endParaRPr lang="en-US" sz="1800" dirty="0">
-              <a:latin typeface="Courier New"/>
-              <a:cs typeface="Courier New"/>
-            </a:endParaRPr>
+              <a:t>orange	8</a:t>
+            </a:r>
           </a:p>
         </p:txBody>
       </p:sp>
@@ -5613,10 +4965,471 @@
           </a:p>
         </p:txBody>
       </p:sp>
+      <p:sp>
+        <p:nvSpPr>
+          <p:cNvPr id="7" name="Content Placeholder 2"/>
+          <p:cNvSpPr txBox="1">
+            <a:spLocks/>
+          </p:cNvSpPr>
+          <p:nvPr/>
+        </p:nvSpPr>
+        <p:spPr>
+          <a:xfrm>
+            <a:off x="4856448" y="1171014"/>
+            <a:ext cx="3265715" cy="5185336"/>
+          </a:xfrm>
+          <a:prstGeom prst="rect">
+            <a:avLst/>
+          </a:prstGeom>
+        </p:spPr>
+        <p:txBody>
+          <a:bodyPr vert="horz" lIns="91440" tIns="45720" rIns="91440" bIns="45720" rtlCol="0">
+            <a:noAutofit/>
+          </a:bodyPr>
+          <a:lstStyle>
+            <a:lvl1pPr marL="342900" indent="-342900" algn="l" defTabSz="457200" rtl="0" eaLnBrk="1" latinLnBrk="0" hangingPunct="1">
+              <a:spcBef>
+                <a:spcPct val="20000"/>
+              </a:spcBef>
+              <a:buFont typeface="Arial"/>
+              <a:buChar char="•"/>
+              <a:defRPr sz="2400" kern="1200">
+                <a:solidFill>
+                  <a:schemeClr val="tx1"/>
+                </a:solidFill>
+                <a:latin typeface="+mn-lt"/>
+                <a:ea typeface="+mn-ea"/>
+                <a:cs typeface="+mn-cs"/>
+              </a:defRPr>
+            </a:lvl1pPr>
+            <a:lvl2pPr marL="742950" indent="-285750" algn="l" defTabSz="457200" rtl="0" eaLnBrk="1" latinLnBrk="0" hangingPunct="1">
+              <a:spcBef>
+                <a:spcPct val="20000"/>
+              </a:spcBef>
+              <a:buFont typeface="Arial"/>
+              <a:buChar char="–"/>
+              <a:defRPr sz="2400" kern="1200">
+                <a:solidFill>
+                  <a:schemeClr val="tx1"/>
+                </a:solidFill>
+                <a:latin typeface="+mn-lt"/>
+                <a:ea typeface="+mn-ea"/>
+                <a:cs typeface="+mn-cs"/>
+              </a:defRPr>
+            </a:lvl2pPr>
+            <a:lvl3pPr marL="1143000" indent="-228600" algn="l" defTabSz="457200" rtl="0" eaLnBrk="1" latinLnBrk="0" hangingPunct="1">
+              <a:spcBef>
+                <a:spcPct val="20000"/>
+              </a:spcBef>
+              <a:buFont typeface="Arial"/>
+              <a:buChar char="•"/>
+              <a:defRPr sz="2400" kern="1200">
+                <a:solidFill>
+                  <a:schemeClr val="tx1"/>
+                </a:solidFill>
+                <a:latin typeface="+mn-lt"/>
+                <a:ea typeface="+mn-ea"/>
+                <a:cs typeface="+mn-cs"/>
+              </a:defRPr>
+            </a:lvl3pPr>
+            <a:lvl4pPr marL="1600200" indent="-228600" algn="l" defTabSz="457200" rtl="0" eaLnBrk="1" latinLnBrk="0" hangingPunct="1">
+              <a:spcBef>
+                <a:spcPct val="20000"/>
+              </a:spcBef>
+              <a:buFont typeface="Arial"/>
+              <a:buChar char="–"/>
+              <a:defRPr sz="2400" kern="1200">
+                <a:solidFill>
+                  <a:schemeClr val="tx1"/>
+                </a:solidFill>
+                <a:latin typeface="+mn-lt"/>
+                <a:ea typeface="+mn-ea"/>
+                <a:cs typeface="+mn-cs"/>
+              </a:defRPr>
+            </a:lvl4pPr>
+            <a:lvl5pPr marL="2057400" indent="-228600" algn="l" defTabSz="457200" rtl="0" eaLnBrk="1" latinLnBrk="0" hangingPunct="1">
+              <a:spcBef>
+                <a:spcPct val="20000"/>
+              </a:spcBef>
+              <a:buFont typeface="Arial"/>
+              <a:buChar char="»"/>
+              <a:defRPr sz="2400" kern="1200">
+                <a:solidFill>
+                  <a:schemeClr val="tx1"/>
+                </a:solidFill>
+                <a:latin typeface="+mn-lt"/>
+                <a:ea typeface="+mn-ea"/>
+                <a:cs typeface="+mn-cs"/>
+              </a:defRPr>
+            </a:lvl5pPr>
+            <a:lvl6pPr marL="2514600" indent="-228600" algn="l" defTabSz="457200" rtl="0" eaLnBrk="1" latinLnBrk="0" hangingPunct="1">
+              <a:spcBef>
+                <a:spcPct val="20000"/>
+              </a:spcBef>
+              <a:buFont typeface="Arial"/>
+              <a:buChar char="•"/>
+              <a:defRPr sz="2000" kern="1200">
+                <a:solidFill>
+                  <a:schemeClr val="tx1"/>
+                </a:solidFill>
+                <a:latin typeface="+mn-lt"/>
+                <a:ea typeface="+mn-ea"/>
+                <a:cs typeface="+mn-cs"/>
+              </a:defRPr>
+            </a:lvl6pPr>
+            <a:lvl7pPr marL="2971800" indent="-228600" algn="l" defTabSz="457200" rtl="0" eaLnBrk="1" latinLnBrk="0" hangingPunct="1">
+              <a:spcBef>
+                <a:spcPct val="20000"/>
+              </a:spcBef>
+              <a:buFont typeface="Arial"/>
+              <a:buChar char="•"/>
+              <a:defRPr sz="2000" kern="1200">
+                <a:solidFill>
+                  <a:schemeClr val="tx1"/>
+                </a:solidFill>
+                <a:latin typeface="+mn-lt"/>
+                <a:ea typeface="+mn-ea"/>
+                <a:cs typeface="+mn-cs"/>
+              </a:defRPr>
+            </a:lvl7pPr>
+            <a:lvl8pPr marL="3429000" indent="-228600" algn="l" defTabSz="457200" rtl="0" eaLnBrk="1" latinLnBrk="0" hangingPunct="1">
+              <a:spcBef>
+                <a:spcPct val="20000"/>
+              </a:spcBef>
+              <a:buFont typeface="Arial"/>
+              <a:buChar char="•"/>
+              <a:defRPr sz="2000" kern="1200">
+                <a:solidFill>
+                  <a:schemeClr val="tx1"/>
+                </a:solidFill>
+                <a:latin typeface="+mn-lt"/>
+                <a:ea typeface="+mn-ea"/>
+                <a:cs typeface="+mn-cs"/>
+              </a:defRPr>
+            </a:lvl8pPr>
+            <a:lvl9pPr marL="3886200" indent="-228600" algn="l" defTabSz="457200" rtl="0" eaLnBrk="1" latinLnBrk="0" hangingPunct="1">
+              <a:spcBef>
+                <a:spcPct val="20000"/>
+              </a:spcBef>
+              <a:buFont typeface="Arial"/>
+              <a:buChar char="•"/>
+              <a:defRPr sz="2000" kern="1200">
+                <a:solidFill>
+                  <a:schemeClr val="tx1"/>
+                </a:solidFill>
+                <a:latin typeface="+mn-lt"/>
+                <a:ea typeface="+mn-ea"/>
+                <a:cs typeface="+mn-cs"/>
+              </a:defRPr>
+            </a:lvl9pPr>
+          </a:lstStyle>
+          <a:p>
+            <a:pPr marL="0" indent="0">
+              <a:buFont typeface="Arial"/>
+              <a:buNone/>
+            </a:pPr>
+            <a:r>
+              <a:rPr lang="en-US" sz="1600" b="1" dirty="0">
+                <a:latin typeface="Courier New"/>
+                <a:cs typeface="Courier New"/>
+              </a:rPr>
+              <a:t>sort -k 2n </a:t>
+            </a:r>
+            <a:r>
+              <a:rPr lang="en-US" sz="1600" b="1" dirty="0" err="1">
+                <a:latin typeface="Courier New"/>
+                <a:cs typeface="Courier New"/>
+              </a:rPr>
+              <a:t>fruit.txt</a:t>
+            </a:r>
+            <a:endParaRPr lang="en-US" sz="1600" b="1" dirty="0">
+              <a:latin typeface="Courier New"/>
+              <a:cs typeface="Courier New"/>
+            </a:endParaRPr>
+          </a:p>
+          <a:p>
+            <a:pPr marL="0" indent="0">
+              <a:buFont typeface="Arial"/>
+              <a:buNone/>
+            </a:pPr>
+            <a:r>
+              <a:rPr lang="en-US" sz="1600" dirty="0">
+                <a:latin typeface="Courier New"/>
+                <a:cs typeface="Courier New"/>
+              </a:rPr>
+              <a:t>banana	5</a:t>
+            </a:r>
+          </a:p>
+          <a:p>
+            <a:pPr marL="0" indent="0">
+              <a:buFont typeface="Arial"/>
+              <a:buNone/>
+            </a:pPr>
+            <a:r>
+              <a:rPr lang="en-US" sz="1600" dirty="0">
+                <a:latin typeface="Courier New"/>
+                <a:cs typeface="Courier New"/>
+              </a:rPr>
+              <a:t>apple	6</a:t>
+            </a:r>
+          </a:p>
+          <a:p>
+            <a:pPr marL="0" indent="0">
+              <a:buFont typeface="Arial"/>
+              <a:buNone/>
+            </a:pPr>
+            <a:r>
+              <a:rPr lang="en-US" sz="1600" dirty="0">
+                <a:latin typeface="Courier New"/>
+                <a:cs typeface="Courier New"/>
+              </a:rPr>
+              <a:t>orange	8</a:t>
+            </a:r>
+          </a:p>
+          <a:p>
+            <a:pPr marL="0" indent="0">
+              <a:buFont typeface="Arial"/>
+              <a:buNone/>
+            </a:pPr>
+            <a:r>
+              <a:rPr lang="en-US" sz="1600" dirty="0">
+                <a:latin typeface="Courier New"/>
+                <a:cs typeface="Courier New"/>
+              </a:rPr>
+              <a:t>peach	12</a:t>
+            </a:r>
+          </a:p>
+          <a:p>
+            <a:pPr marL="0" indent="0">
+              <a:buFont typeface="Arial"/>
+              <a:buNone/>
+            </a:pPr>
+            <a:endParaRPr lang="en-US" sz="1600" dirty="0">
+              <a:latin typeface="Courier New"/>
+              <a:cs typeface="Courier New"/>
+            </a:endParaRPr>
+          </a:p>
+          <a:p>
+            <a:pPr marL="0" indent="0">
+              <a:buFont typeface="Arial"/>
+              <a:buNone/>
+            </a:pPr>
+            <a:r>
+              <a:rPr lang="en-US" sz="1600" b="1" dirty="0">
+                <a:latin typeface="Courier New"/>
+                <a:cs typeface="Courier New"/>
+              </a:rPr>
+              <a:t>sort -k 2nr </a:t>
+            </a:r>
+            <a:r>
+              <a:rPr lang="en-US" sz="1600" b="1" dirty="0" err="1">
+                <a:latin typeface="Courier New"/>
+                <a:cs typeface="Courier New"/>
+              </a:rPr>
+              <a:t>fruit.txt</a:t>
+            </a:r>
+            <a:endParaRPr lang="en-US" sz="1600" b="1" dirty="0">
+              <a:latin typeface="Courier New"/>
+              <a:cs typeface="Courier New"/>
+            </a:endParaRPr>
+          </a:p>
+          <a:p>
+            <a:pPr marL="0" indent="0">
+              <a:buFont typeface="Arial"/>
+              <a:buNone/>
+            </a:pPr>
+            <a:r>
+              <a:rPr lang="en-US" sz="1600" dirty="0">
+                <a:latin typeface="Courier New"/>
+                <a:cs typeface="Courier New"/>
+              </a:rPr>
+              <a:t>peach	12</a:t>
+            </a:r>
+          </a:p>
+          <a:p>
+            <a:pPr marL="0" indent="0">
+              <a:buFont typeface="Arial"/>
+              <a:buNone/>
+            </a:pPr>
+            <a:r>
+              <a:rPr lang="en-US" sz="1600" dirty="0">
+                <a:latin typeface="Courier New"/>
+                <a:cs typeface="Courier New"/>
+              </a:rPr>
+              <a:t>orange	8</a:t>
+            </a:r>
+          </a:p>
+          <a:p>
+            <a:pPr marL="0" indent="0">
+              <a:buFont typeface="Arial"/>
+              <a:buNone/>
+            </a:pPr>
+            <a:r>
+              <a:rPr lang="en-US" sz="1600" dirty="0">
+                <a:latin typeface="Courier New"/>
+                <a:cs typeface="Courier New"/>
+              </a:rPr>
+              <a:t>apple	6</a:t>
+            </a:r>
+          </a:p>
+          <a:p>
+            <a:pPr marL="0" indent="0">
+              <a:buFont typeface="Arial"/>
+              <a:buNone/>
+            </a:pPr>
+            <a:r>
+              <a:rPr lang="en-US" sz="1600" dirty="0">
+                <a:latin typeface="Courier New"/>
+                <a:cs typeface="Courier New"/>
+              </a:rPr>
+              <a:t>banana	5</a:t>
+            </a:r>
+          </a:p>
+          <a:p>
+            <a:pPr marL="0" indent="0">
+              <a:buNone/>
+            </a:pPr>
+            <a:endParaRPr lang="en-US" sz="1600" dirty="0">
+              <a:latin typeface="Courier New"/>
+              <a:cs typeface="Courier New"/>
+            </a:endParaRPr>
+          </a:p>
+          <a:p>
+            <a:pPr marL="0" indent="0">
+              <a:buNone/>
+            </a:pPr>
+            <a:r>
+              <a:rPr lang="en-US" sz="1600" b="1" dirty="0">
+                <a:latin typeface="Courier New"/>
+                <a:cs typeface="Courier New"/>
+              </a:rPr>
+              <a:t>sort -k 1,2 </a:t>
+            </a:r>
+            <a:r>
+              <a:rPr lang="en-US" sz="1600" b="1" dirty="0" err="1">
+                <a:latin typeface="Courier New"/>
+                <a:cs typeface="Courier New"/>
+              </a:rPr>
+              <a:t>fruit.txt</a:t>
+            </a:r>
+            <a:endParaRPr lang="en-US" sz="1600" b="1" dirty="0">
+              <a:latin typeface="Courier New"/>
+              <a:cs typeface="Courier New"/>
+            </a:endParaRPr>
+          </a:p>
+          <a:p>
+            <a:pPr marL="0" indent="0">
+              <a:buNone/>
+            </a:pPr>
+            <a:r>
+              <a:rPr lang="en-US" sz="1600" dirty="0">
+                <a:latin typeface="Courier New"/>
+                <a:cs typeface="Courier New"/>
+              </a:rPr>
+              <a:t>apple	6</a:t>
+            </a:r>
+          </a:p>
+          <a:p>
+            <a:pPr marL="0" indent="0">
+              <a:buNone/>
+            </a:pPr>
+            <a:r>
+              <a:rPr lang="en-US" sz="1600" dirty="0">
+                <a:latin typeface="Courier New"/>
+                <a:cs typeface="Courier New"/>
+              </a:rPr>
+              <a:t>banana	5</a:t>
+            </a:r>
+          </a:p>
+          <a:p>
+            <a:pPr marL="0" indent="0">
+              <a:buNone/>
+            </a:pPr>
+            <a:r>
+              <a:rPr lang="en-US" sz="1600" dirty="0">
+                <a:latin typeface="Courier New"/>
+                <a:cs typeface="Courier New"/>
+              </a:rPr>
+              <a:t>orange	8</a:t>
+            </a:r>
+          </a:p>
+          <a:p>
+            <a:pPr marL="0" indent="0">
+              <a:buNone/>
+            </a:pPr>
+            <a:r>
+              <a:rPr lang="en-US" sz="1600" dirty="0">
+                <a:latin typeface="Courier New"/>
+                <a:cs typeface="Courier New"/>
+              </a:rPr>
+              <a:t>peach	12</a:t>
+            </a:r>
+          </a:p>
+          <a:p>
+            <a:pPr marL="0" indent="0">
+              <a:buFont typeface="Arial"/>
+              <a:buNone/>
+            </a:pPr>
+            <a:endParaRPr lang="en-US" sz="1600" dirty="0">
+              <a:latin typeface="Courier New"/>
+              <a:cs typeface="Courier New"/>
+            </a:endParaRPr>
+          </a:p>
+        </p:txBody>
+      </p:sp>
+      <p:sp>
+        <p:nvSpPr>
+          <p:cNvPr id="5" name="TextBox 4">
+            <a:extLst>
+              <a:ext uri="{FF2B5EF4-FFF2-40B4-BE49-F238E27FC236}">
+                <a16:creationId xmlns:a16="http://schemas.microsoft.com/office/drawing/2014/main" id="{4CF24953-EFD8-494E-B897-61869CF37AD3}"/>
+              </a:ext>
+            </a:extLst>
+          </p:cNvPr>
+          <p:cNvSpPr txBox="1"/>
+          <p:nvPr/>
+        </p:nvSpPr>
+        <p:spPr>
+          <a:xfrm>
+            <a:off x="1705288" y="6236219"/>
+            <a:ext cx="6636753" cy="461665"/>
+          </a:xfrm>
+          <a:prstGeom prst="rect">
+            <a:avLst/>
+          </a:prstGeom>
+          <a:noFill/>
+        </p:spPr>
+        <p:txBody>
+          <a:bodyPr wrap="none" rtlCol="0">
+            <a:spAutoFit/>
+          </a:bodyPr>
+          <a:lstStyle/>
+          <a:p>
+            <a:r>
+              <a:rPr lang="en-US" sz="2400" dirty="0">
+                <a:latin typeface="Courier" pitchFamily="2" charset="0"/>
+              </a:rPr>
+              <a:t>Try:  sort -k1,1 -k2n,2 </a:t>
+            </a:r>
+            <a:r>
+              <a:rPr lang="en-US" sz="2400" dirty="0" err="1">
+                <a:latin typeface="Courier" pitchFamily="2" charset="0"/>
+              </a:rPr>
+              <a:t>fruit.txt</a:t>
+            </a:r>
+            <a:r>
+              <a:rPr lang="en-US" sz="2400" dirty="0">
+                <a:latin typeface="Courier" pitchFamily="2" charset="0"/>
+              </a:rPr>
+              <a:t> </a:t>
+            </a:r>
+          </a:p>
+        </p:txBody>
+      </p:sp>
     </p:spTree>
     <p:extLst>
       <p:ext uri="{BB962C8B-B14F-4D97-AF65-F5344CB8AC3E}">
-        <p14:creationId xmlns:p14="http://schemas.microsoft.com/office/powerpoint/2010/main" val="2579793854"/>
+        <p14:creationId xmlns:p14="http://schemas.microsoft.com/office/powerpoint/2010/main" val="1995425990"/>
       </p:ext>
     </p:extLst>
   </p:cSld>
@@ -5659,22 +5472,17 @@
           <a:lstStyle/>
           <a:p>
             <a:r>
-              <a:rPr lang="en-US" b="1" dirty="0" err="1">
+              <a:rPr lang="en-US" b="1" dirty="0">
                 <a:solidFill>
                   <a:srgbClr val="376092"/>
                 </a:solidFill>
               </a:rPr>
-              <a:t>sed</a:t>
+              <a:t>find</a:t>
             </a:r>
             <a:r>
               <a:rPr lang="en-US" dirty="0"/>
-              <a:t> -  a stream editor used for modifying files in </a:t>
-            </a:r>
-            <a:r>
-              <a:rPr lang="en-US" dirty="0" err="1"/>
-              <a:t>unix</a:t>
-            </a:r>
-            <a:endParaRPr lang="en-US" dirty="0"/>
+              <a:t> - search for files in a directory hierarchy</a:t>
+            </a:r>
           </a:p>
         </p:txBody>
       </p:sp>
@@ -5690,8 +5498,8 @@
         </p:nvSpPr>
         <p:spPr>
           <a:xfrm>
-            <a:off x="838200" y="1778576"/>
-            <a:ext cx="6146800" cy="3923724"/>
+            <a:off x="1155700" y="1397576"/>
+            <a:ext cx="6527800" cy="4533324"/>
           </a:xfrm>
         </p:spPr>
         <p:txBody>
@@ -5704,89 +5512,14 @@
               <a:buNone/>
             </a:pPr>
             <a:r>
-              <a:rPr lang="en-US" sz="1800" b="1" dirty="0" err="1">
+              <a:rPr lang="en-US" sz="1800" b="1" dirty="0">
                 <a:solidFill>
                   <a:srgbClr val="376092"/>
                 </a:solidFill>
                 <a:latin typeface="Courier New"/>
                 <a:cs typeface="Courier New"/>
               </a:rPr>
-              <a:t>sed</a:t>
-            </a:r>
-            <a:r>
-              <a:rPr lang="en-US" sz="1800" b="1" dirty="0">
-                <a:solidFill>
-                  <a:srgbClr val="376092"/>
-                </a:solidFill>
-                <a:latin typeface="Courier New"/>
-                <a:cs typeface="Courier New"/>
-              </a:rPr>
-              <a:t> 's/apple/strawberry/' </a:t>
-            </a:r>
-            <a:r>
-              <a:rPr lang="en-US" sz="1800" b="1" dirty="0" err="1">
-                <a:solidFill>
-                  <a:srgbClr val="376092"/>
-                </a:solidFill>
-                <a:latin typeface="Courier New"/>
-                <a:cs typeface="Courier New"/>
-              </a:rPr>
-              <a:t>fruit.txt</a:t>
-            </a:r>
-            <a:endParaRPr lang="en-US" sz="1800" b="1" dirty="0">
-              <a:solidFill>
-                <a:srgbClr val="376092"/>
-              </a:solidFill>
-              <a:latin typeface="Courier New"/>
-              <a:cs typeface="Courier New"/>
-            </a:endParaRPr>
-          </a:p>
-          <a:p>
-            <a:pPr marL="0" indent="0">
-              <a:buNone/>
-            </a:pPr>
-            <a:r>
-              <a:rPr lang="en-US" sz="1800" dirty="0">
-                <a:latin typeface="Courier New"/>
-                <a:cs typeface="Courier New"/>
-              </a:rPr>
-              <a:t>orange	8</a:t>
-            </a:r>
-          </a:p>
-          <a:p>
-            <a:pPr marL="0" indent="0">
-              <a:buNone/>
-            </a:pPr>
-            <a:r>
-              <a:rPr lang="en-US" sz="1800" dirty="0">
-                <a:latin typeface="Courier New"/>
-                <a:cs typeface="Courier New"/>
-              </a:rPr>
-              <a:t>strawberry	6</a:t>
-            </a:r>
-          </a:p>
-          <a:p>
-            <a:pPr marL="0" indent="0">
-              <a:buNone/>
-            </a:pPr>
-            <a:r>
-              <a:rPr lang="en-US" sz="1800" dirty="0">
-                <a:latin typeface="Courier New"/>
-                <a:cs typeface="Courier New"/>
-              </a:rPr>
-              <a:t>peach	12</a:t>
-            </a:r>
-          </a:p>
-          <a:p>
-            <a:pPr marL="0" indent="0">
-              <a:buNone/>
-            </a:pPr>
-            <a:r>
-              <a:rPr lang="en-US" sz="1800" dirty="0">
-                <a:latin typeface="Courier New"/>
-                <a:cs typeface="Courier New"/>
-              </a:rPr>
-              <a:t>banana	5</a:t>
+              <a:t>find [pathnames] [conditions]</a:t>
             </a:r>
           </a:p>
           <a:p>
@@ -5803,39 +5536,30 @@
               <a:buNone/>
             </a:pPr>
             <a:r>
-              <a:rPr lang="en-US" sz="1800" b="1" dirty="0" err="1">
-                <a:solidFill>
-                  <a:srgbClr val="376092"/>
-                </a:solidFill>
+              <a:rPr lang="en-US" sz="1800" dirty="0">
                 <a:latin typeface="Courier New"/>
                 <a:cs typeface="Courier New"/>
               </a:rPr>
-              <a:t>sed</a:t>
-            </a:r>
-            <a:r>
-              <a:rPr lang="en-US" sz="1800" b="1" dirty="0">
-                <a:solidFill>
-                  <a:srgbClr val="376092"/>
-                </a:solidFill>
+              <a:t># Finding files &gt;10M</a:t>
+            </a:r>
+          </a:p>
+          <a:p>
+            <a:pPr marL="0" indent="0">
+              <a:buNone/>
+            </a:pPr>
+            <a:r>
+              <a:rPr lang="en-US" sz="1800" dirty="0">
                 <a:latin typeface="Courier New"/>
                 <a:cs typeface="Courier New"/>
               </a:rPr>
-              <a:t> 's/apple/strawberry/g' </a:t>
-            </a:r>
-            <a:r>
-              <a:rPr lang="en-US" sz="1800" b="1" dirty="0" err="1">
-                <a:solidFill>
-                  <a:srgbClr val="376092"/>
-                </a:solidFill>
-                <a:latin typeface="Courier New"/>
-                <a:cs typeface="Courier New"/>
-              </a:rPr>
-              <a:t>fruit.txt</a:t>
-            </a:r>
-            <a:endParaRPr lang="en-US" sz="1800" b="1" dirty="0">
-              <a:solidFill>
-                <a:srgbClr val="376092"/>
-              </a:solidFill>
+              <a:t>find . -size +10M</a:t>
+            </a:r>
+          </a:p>
+          <a:p>
+            <a:pPr marL="0" indent="0">
+              <a:buNone/>
+            </a:pPr>
+            <a:endParaRPr lang="en-US" sz="1800" dirty="0">
               <a:latin typeface="Courier New"/>
               <a:cs typeface="Courier New"/>
             </a:endParaRPr>
@@ -5849,7 +5573,7 @@
                 <a:latin typeface="Courier New"/>
                 <a:cs typeface="Courier New"/>
               </a:rPr>
-              <a:t>orange	8</a:t>
+              <a:t># Finding files &lt;10M</a:t>
             </a:r>
           </a:p>
           <a:p>
@@ -5861,8 +5585,17 @@
                 <a:latin typeface="Courier New"/>
                 <a:cs typeface="Courier New"/>
               </a:rPr>
-              <a:t>strawberry	6</a:t>
-            </a:r>
+              <a:t>find . -size -10M</a:t>
+            </a:r>
+          </a:p>
+          <a:p>
+            <a:pPr marL="0" indent="0">
+              <a:buNone/>
+            </a:pPr>
+            <a:endParaRPr lang="en-US" sz="1800" dirty="0">
+              <a:latin typeface="Courier New"/>
+              <a:cs typeface="Courier New"/>
+            </a:endParaRPr>
           </a:p>
           <a:p>
             <a:pPr marL="0" indent="0">
@@ -5873,7 +5606,7 @@
                 <a:latin typeface="Courier New"/>
                 <a:cs typeface="Courier New"/>
               </a:rPr>
-              <a:t>peach	12</a:t>
+              <a:t># find a file</a:t>
             </a:r>
           </a:p>
           <a:p>
@@ -5885,8 +5618,92 @@
                 <a:latin typeface="Courier New"/>
                 <a:cs typeface="Courier New"/>
               </a:rPr>
-              <a:t>banana	5</a:t>
-            </a:r>
+              <a:t>find -name "</a:t>
+            </a:r>
+            <a:r>
+              <a:rPr lang="en-US" sz="1800" dirty="0" err="1">
+                <a:latin typeface="Courier New"/>
+                <a:cs typeface="Courier New"/>
+              </a:rPr>
+              <a:t>fruit.txt</a:t>
+            </a:r>
+            <a:r>
+              <a:rPr lang="en-US" sz="1800" dirty="0">
+                <a:latin typeface="Courier New"/>
+                <a:cs typeface="Courier New"/>
+              </a:rPr>
+              <a:t>"</a:t>
+            </a:r>
+          </a:p>
+          <a:p>
+            <a:pPr marL="0" indent="0">
+              <a:buNone/>
+            </a:pPr>
+            <a:endParaRPr lang="en-US" sz="1800" dirty="0">
+              <a:latin typeface="Courier New"/>
+              <a:cs typeface="Courier New"/>
+            </a:endParaRPr>
+          </a:p>
+          <a:p>
+            <a:pPr marL="0" indent="0">
+              <a:buNone/>
+            </a:pPr>
+            <a:r>
+              <a:rPr lang="en-US" sz="1800" dirty="0">
+                <a:latin typeface="Courier New"/>
+                <a:cs typeface="Courier New"/>
+              </a:rPr>
+              <a:t># find a file in the current directory</a:t>
+            </a:r>
+          </a:p>
+          <a:p>
+            <a:pPr marL="0" indent="0">
+              <a:buNone/>
+            </a:pPr>
+            <a:r>
+              <a:rPr lang="en-US" sz="1800" dirty="0">
+                <a:latin typeface="Courier New"/>
+                <a:cs typeface="Courier New"/>
+              </a:rPr>
+              <a:t>find -</a:t>
+            </a:r>
+            <a:r>
+              <a:rPr lang="en-US" sz="1800" dirty="0" err="1">
+                <a:latin typeface="Courier New"/>
+                <a:cs typeface="Courier New"/>
+              </a:rPr>
+              <a:t>maxdepth</a:t>
+            </a:r>
+            <a:r>
+              <a:rPr lang="en-US" sz="1800" dirty="0">
+                <a:latin typeface="Courier New"/>
+                <a:cs typeface="Courier New"/>
+              </a:rPr>
+              <a:t> 1 -name "</a:t>
+            </a:r>
+            <a:r>
+              <a:rPr lang="en-US" sz="1800" dirty="0" err="1">
+                <a:latin typeface="Courier New"/>
+                <a:cs typeface="Courier New"/>
+              </a:rPr>
+              <a:t>fruit.txt</a:t>
+            </a:r>
+            <a:r>
+              <a:rPr lang="en-US" sz="1800" dirty="0">
+                <a:latin typeface="Courier New"/>
+                <a:cs typeface="Courier New"/>
+              </a:rPr>
+              <a:t>"</a:t>
+            </a:r>
+          </a:p>
+          <a:p>
+            <a:pPr marL="0" indent="0">
+              <a:buNone/>
+            </a:pPr>
+            <a:endParaRPr lang="en-US" sz="1800" dirty="0">
+              <a:latin typeface="Courier New"/>
+              <a:cs typeface="Courier New"/>
+            </a:endParaRPr>
           </a:p>
         </p:txBody>
       </p:sp>
@@ -5913,277 +5730,10 @@
           </a:p>
         </p:txBody>
       </p:sp>
-      <p:sp>
-        <p:nvSpPr>
-          <p:cNvPr id="5" name="Content Placeholder 2"/>
-          <p:cNvSpPr txBox="1">
-            <a:spLocks/>
-          </p:cNvSpPr>
-          <p:nvPr/>
-        </p:nvSpPr>
-        <p:spPr>
-          <a:xfrm>
-            <a:off x="6705600" y="1280326"/>
-            <a:ext cx="1981200" cy="1656900"/>
-          </a:xfrm>
-          <a:prstGeom prst="rect">
-            <a:avLst/>
-          </a:prstGeom>
-        </p:spPr>
-        <p:txBody>
-          <a:bodyPr vert="horz" lIns="91440" tIns="45720" rIns="91440" bIns="45720" rtlCol="0">
-            <a:noAutofit/>
-          </a:bodyPr>
-          <a:lstStyle>
-            <a:lvl1pPr marL="342900" indent="-342900" algn="l" defTabSz="457200" rtl="0" eaLnBrk="1" latinLnBrk="0" hangingPunct="1">
-              <a:spcBef>
-                <a:spcPct val="20000"/>
-              </a:spcBef>
-              <a:buFont typeface="Arial"/>
-              <a:buChar char="•"/>
-              <a:defRPr sz="2400" kern="1200">
-                <a:solidFill>
-                  <a:schemeClr val="tx1"/>
-                </a:solidFill>
-                <a:latin typeface="+mn-lt"/>
-                <a:ea typeface="+mn-ea"/>
-                <a:cs typeface="+mn-cs"/>
-              </a:defRPr>
-            </a:lvl1pPr>
-            <a:lvl2pPr marL="742950" indent="-285750" algn="l" defTabSz="457200" rtl="0" eaLnBrk="1" latinLnBrk="0" hangingPunct="1">
-              <a:spcBef>
-                <a:spcPct val="20000"/>
-              </a:spcBef>
-              <a:buFont typeface="Arial"/>
-              <a:buChar char="–"/>
-              <a:defRPr sz="2400" kern="1200">
-                <a:solidFill>
-                  <a:schemeClr val="tx1"/>
-                </a:solidFill>
-                <a:latin typeface="+mn-lt"/>
-                <a:ea typeface="+mn-ea"/>
-                <a:cs typeface="+mn-cs"/>
-              </a:defRPr>
-            </a:lvl2pPr>
-            <a:lvl3pPr marL="1143000" indent="-228600" algn="l" defTabSz="457200" rtl="0" eaLnBrk="1" latinLnBrk="0" hangingPunct="1">
-              <a:spcBef>
-                <a:spcPct val="20000"/>
-              </a:spcBef>
-              <a:buFont typeface="Arial"/>
-              <a:buChar char="•"/>
-              <a:defRPr sz="2400" kern="1200">
-                <a:solidFill>
-                  <a:schemeClr val="tx1"/>
-                </a:solidFill>
-                <a:latin typeface="+mn-lt"/>
-                <a:ea typeface="+mn-ea"/>
-                <a:cs typeface="+mn-cs"/>
-              </a:defRPr>
-            </a:lvl3pPr>
-            <a:lvl4pPr marL="1600200" indent="-228600" algn="l" defTabSz="457200" rtl="0" eaLnBrk="1" latinLnBrk="0" hangingPunct="1">
-              <a:spcBef>
-                <a:spcPct val="20000"/>
-              </a:spcBef>
-              <a:buFont typeface="Arial"/>
-              <a:buChar char="–"/>
-              <a:defRPr sz="2400" kern="1200">
-                <a:solidFill>
-                  <a:schemeClr val="tx1"/>
-                </a:solidFill>
-                <a:latin typeface="+mn-lt"/>
-                <a:ea typeface="+mn-ea"/>
-                <a:cs typeface="+mn-cs"/>
-              </a:defRPr>
-            </a:lvl4pPr>
-            <a:lvl5pPr marL="2057400" indent="-228600" algn="l" defTabSz="457200" rtl="0" eaLnBrk="1" latinLnBrk="0" hangingPunct="1">
-              <a:spcBef>
-                <a:spcPct val="20000"/>
-              </a:spcBef>
-              <a:buFont typeface="Arial"/>
-              <a:buChar char="»"/>
-              <a:defRPr sz="2400" kern="1200">
-                <a:solidFill>
-                  <a:schemeClr val="tx1"/>
-                </a:solidFill>
-                <a:latin typeface="+mn-lt"/>
-                <a:ea typeface="+mn-ea"/>
-                <a:cs typeface="+mn-cs"/>
-              </a:defRPr>
-            </a:lvl5pPr>
-            <a:lvl6pPr marL="2514600" indent="-228600" algn="l" defTabSz="457200" rtl="0" eaLnBrk="1" latinLnBrk="0" hangingPunct="1">
-              <a:spcBef>
-                <a:spcPct val="20000"/>
-              </a:spcBef>
-              <a:buFont typeface="Arial"/>
-              <a:buChar char="•"/>
-              <a:defRPr sz="2000" kern="1200">
-                <a:solidFill>
-                  <a:schemeClr val="tx1"/>
-                </a:solidFill>
-                <a:latin typeface="+mn-lt"/>
-                <a:ea typeface="+mn-ea"/>
-                <a:cs typeface="+mn-cs"/>
-              </a:defRPr>
-            </a:lvl6pPr>
-            <a:lvl7pPr marL="2971800" indent="-228600" algn="l" defTabSz="457200" rtl="0" eaLnBrk="1" latinLnBrk="0" hangingPunct="1">
-              <a:spcBef>
-                <a:spcPct val="20000"/>
-              </a:spcBef>
-              <a:buFont typeface="Arial"/>
-              <a:buChar char="•"/>
-              <a:defRPr sz="2000" kern="1200">
-                <a:solidFill>
-                  <a:schemeClr val="tx1"/>
-                </a:solidFill>
-                <a:latin typeface="+mn-lt"/>
-                <a:ea typeface="+mn-ea"/>
-                <a:cs typeface="+mn-cs"/>
-              </a:defRPr>
-            </a:lvl7pPr>
-            <a:lvl8pPr marL="3429000" indent="-228600" algn="l" defTabSz="457200" rtl="0" eaLnBrk="1" latinLnBrk="0" hangingPunct="1">
-              <a:spcBef>
-                <a:spcPct val="20000"/>
-              </a:spcBef>
-              <a:buFont typeface="Arial"/>
-              <a:buChar char="•"/>
-              <a:defRPr sz="2000" kern="1200">
-                <a:solidFill>
-                  <a:schemeClr val="tx1"/>
-                </a:solidFill>
-                <a:latin typeface="+mn-lt"/>
-                <a:ea typeface="+mn-ea"/>
-                <a:cs typeface="+mn-cs"/>
-              </a:defRPr>
-            </a:lvl8pPr>
-            <a:lvl9pPr marL="3886200" indent="-228600" algn="l" defTabSz="457200" rtl="0" eaLnBrk="1" latinLnBrk="0" hangingPunct="1">
-              <a:spcBef>
-                <a:spcPct val="20000"/>
-              </a:spcBef>
-              <a:buFont typeface="Arial"/>
-              <a:buChar char="•"/>
-              <a:defRPr sz="2000" kern="1200">
-                <a:solidFill>
-                  <a:schemeClr val="tx1"/>
-                </a:solidFill>
-                <a:latin typeface="+mn-lt"/>
-                <a:ea typeface="+mn-ea"/>
-                <a:cs typeface="+mn-cs"/>
-              </a:defRPr>
-            </a:lvl9pPr>
-          </a:lstStyle>
-          <a:p>
-            <a:pPr marL="0" indent="0">
-              <a:buFont typeface="Arial"/>
-              <a:buNone/>
-            </a:pPr>
-            <a:r>
-              <a:rPr lang="en-US" sz="1600" b="1" dirty="0" err="1">
-                <a:latin typeface="Courier New"/>
-                <a:cs typeface="Courier New"/>
-              </a:rPr>
-              <a:t>fruit.txt</a:t>
-            </a:r>
-            <a:r>
-              <a:rPr lang="en-US" sz="1600" b="1" dirty="0">
-                <a:latin typeface="Courier New"/>
-                <a:cs typeface="Courier New"/>
-              </a:rPr>
-              <a:t> </a:t>
-            </a:r>
-          </a:p>
-          <a:p>
-            <a:pPr marL="0" indent="0">
-              <a:buFont typeface="Arial"/>
-              <a:buNone/>
-            </a:pPr>
-            <a:r>
-              <a:rPr lang="en-US" sz="1600" dirty="0">
-                <a:latin typeface="Courier New"/>
-                <a:cs typeface="Courier New"/>
-              </a:rPr>
-              <a:t>orange	8</a:t>
-            </a:r>
-          </a:p>
-          <a:p>
-            <a:pPr marL="0" indent="0">
-              <a:buFont typeface="Arial"/>
-              <a:buNone/>
-            </a:pPr>
-            <a:r>
-              <a:rPr lang="en-US" sz="1600" dirty="0">
-                <a:latin typeface="Courier New"/>
-                <a:cs typeface="Courier New"/>
-              </a:rPr>
-              <a:t>apple	6</a:t>
-            </a:r>
-          </a:p>
-          <a:p>
-            <a:pPr marL="0" indent="0">
-              <a:buFont typeface="Arial"/>
-              <a:buNone/>
-            </a:pPr>
-            <a:r>
-              <a:rPr lang="en-US" sz="1600" dirty="0">
-                <a:latin typeface="Courier New"/>
-                <a:cs typeface="Courier New"/>
-              </a:rPr>
-              <a:t>peach	12</a:t>
-            </a:r>
-          </a:p>
-          <a:p>
-            <a:pPr marL="0" indent="0">
-              <a:buFont typeface="Arial"/>
-              <a:buNone/>
-            </a:pPr>
-            <a:r>
-              <a:rPr lang="en-US" sz="1600" dirty="0">
-                <a:latin typeface="Courier New"/>
-                <a:cs typeface="Courier New"/>
-              </a:rPr>
-              <a:t>banana	5</a:t>
-            </a:r>
-          </a:p>
-        </p:txBody>
-      </p:sp>
-      <p:sp>
-        <p:nvSpPr>
-          <p:cNvPr id="6" name="TextBox 5">
-            <a:extLst>
-              <a:ext uri="{FF2B5EF4-FFF2-40B4-BE49-F238E27FC236}">
-                <a16:creationId xmlns:a16="http://schemas.microsoft.com/office/drawing/2014/main" id="{EB61DE95-A30D-FC43-8FD6-154BD7DB75D4}"/>
-              </a:ext>
-            </a:extLst>
-          </p:cNvPr>
-          <p:cNvSpPr txBox="1"/>
-          <p:nvPr/>
-        </p:nvSpPr>
-        <p:spPr>
-          <a:xfrm>
-            <a:off x="838200" y="5798492"/>
-            <a:ext cx="6752426" cy="461665"/>
-          </a:xfrm>
-          <a:prstGeom prst="rect">
-            <a:avLst/>
-          </a:prstGeom>
-          <a:noFill/>
-        </p:spPr>
-        <p:txBody>
-          <a:bodyPr wrap="none" rtlCol="0">
-            <a:spAutoFit/>
-          </a:bodyPr>
-          <a:lstStyle/>
-          <a:p>
-            <a:r>
-              <a:rPr lang="en-US" sz="2400" dirty="0"/>
-              <a:t>“g” indicates the replacement of all matches in a line</a:t>
-            </a:r>
-          </a:p>
-        </p:txBody>
-      </p:sp>
     </p:spTree>
     <p:extLst>
       <p:ext uri="{BB962C8B-B14F-4D97-AF65-F5344CB8AC3E}">
-        <p14:creationId xmlns:p14="http://schemas.microsoft.com/office/powerpoint/2010/main" val="145501290"/>
+        <p14:creationId xmlns:p14="http://schemas.microsoft.com/office/powerpoint/2010/main" val="2579793854"/>
       </p:ext>
     </p:extLst>
   </p:cSld>
@@ -6235,8 +5785,13 @@
             </a:r>
             <a:r>
               <a:rPr lang="en-US" dirty="0"/>
-              <a:t> - II</a:t>
-            </a:r>
+              <a:t> -  a stream editor used for modifying files in </a:t>
+            </a:r>
+            <a:r>
+              <a:rPr lang="en-US" dirty="0" err="1"/>
+              <a:t>unix</a:t>
+            </a:r>
+            <a:endParaRPr lang="en-US" dirty="0"/>
           </a:p>
         </p:txBody>
       </p:sp>
@@ -6252,8 +5807,8 @@
         </p:nvSpPr>
         <p:spPr>
           <a:xfrm>
-            <a:off x="457200" y="1626176"/>
-            <a:ext cx="8229600" cy="3860224"/>
+            <a:off x="838200" y="1778576"/>
+            <a:ext cx="6146800" cy="3923724"/>
           </a:xfrm>
         </p:spPr>
         <p:txBody>
@@ -6283,7 +5838,7 @@
                 <a:latin typeface="Courier New"/>
                 <a:cs typeface="Courier New"/>
               </a:rPr>
-              <a:t> 's/apple/{&amp;}/' </a:t>
+              <a:t> 's/apple/strawberry/' </a:t>
             </a:r>
             <a:r>
               <a:rPr lang="en-US" sz="1800" b="1" dirty="0" err="1">
@@ -6324,7 +5879,7 @@
                 <a:latin typeface="Courier New"/>
                 <a:cs typeface="Courier New"/>
               </a:rPr>
-              <a:t>{apple}	6</a:t>
+              <a:t>strawberry	6</a:t>
             </a:r>
           </a:p>
           <a:p>
@@ -6382,7 +5937,7 @@
                 <a:latin typeface="Courier New"/>
                 <a:cs typeface="Courier New"/>
               </a:rPr>
-              <a:t> '/12/ s/peach/kiwi/' </a:t>
+              <a:t> 's/apple/strawberry/g' </a:t>
             </a:r>
             <a:r>
               <a:rPr lang="en-US" sz="1800" b="1" dirty="0" err="1">
@@ -6423,7 +5978,7 @@
                 <a:latin typeface="Courier New"/>
                 <a:cs typeface="Courier New"/>
               </a:rPr>
-              <a:t>apple	6</a:t>
+              <a:t>strawberry	6</a:t>
             </a:r>
           </a:p>
           <a:p>
@@ -6435,7 +5990,7 @@
                 <a:latin typeface="Courier New"/>
                 <a:cs typeface="Courier New"/>
               </a:rPr>
-              <a:t>kiwi	12</a:t>
+              <a:t>peach	12</a:t>
             </a:r>
           </a:p>
           <a:p>
@@ -6485,7 +6040,7 @@
         </p:nvSpPr>
         <p:spPr>
           <a:xfrm>
-            <a:off x="6705600" y="797726"/>
+            <a:off x="6705600" y="1280326"/>
             <a:ext cx="1981200" cy="1656900"/>
           </a:xfrm>
           <a:prstGeom prst="rect">
@@ -6707,10 +6262,45 @@
           </a:p>
         </p:txBody>
       </p:sp>
+      <p:sp>
+        <p:nvSpPr>
+          <p:cNvPr id="6" name="TextBox 5">
+            <a:extLst>
+              <a:ext uri="{FF2B5EF4-FFF2-40B4-BE49-F238E27FC236}">
+                <a16:creationId xmlns:a16="http://schemas.microsoft.com/office/drawing/2014/main" id="{EB61DE95-A30D-FC43-8FD6-154BD7DB75D4}"/>
+              </a:ext>
+            </a:extLst>
+          </p:cNvPr>
+          <p:cNvSpPr txBox="1"/>
+          <p:nvPr/>
+        </p:nvSpPr>
+        <p:spPr>
+          <a:xfrm>
+            <a:off x="838200" y="5798492"/>
+            <a:ext cx="6752426" cy="461665"/>
+          </a:xfrm>
+          <a:prstGeom prst="rect">
+            <a:avLst/>
+          </a:prstGeom>
+          <a:noFill/>
+        </p:spPr>
+        <p:txBody>
+          <a:bodyPr wrap="none" rtlCol="0">
+            <a:spAutoFit/>
+          </a:bodyPr>
+          <a:lstStyle/>
+          <a:p>
+            <a:r>
+              <a:rPr lang="en-US" sz="2400" dirty="0"/>
+              <a:t>“g” indicates the replacement of all matches in a line</a:t>
+            </a:r>
+          </a:p>
+        </p:txBody>
+      </p:sp>
     </p:spTree>
     <p:extLst>
       <p:ext uri="{BB962C8B-B14F-4D97-AF65-F5344CB8AC3E}">
-        <p14:creationId xmlns:p14="http://schemas.microsoft.com/office/powerpoint/2010/main" val="1456325795"/>
+        <p14:creationId xmlns:p14="http://schemas.microsoft.com/office/powerpoint/2010/main" val="145501290"/>
       </p:ext>
     </p:extLst>
   </p:cSld>
@@ -6758,92 +6348,74 @@
                   <a:srgbClr val="376092"/>
                 </a:solidFill>
               </a:rPr>
-              <a:t>wget</a:t>
-            </a:r>
-            <a:endParaRPr lang="en-US" b="1" dirty="0">
+              <a:t>sed</a:t>
+            </a:r>
+            <a:r>
+              <a:rPr lang="en-US" dirty="0"/>
+              <a:t> - II</a:t>
+            </a:r>
+          </a:p>
+        </p:txBody>
+      </p:sp>
+      <p:sp>
+        <p:nvSpPr>
+          <p:cNvPr id="3" name="Content Placeholder 2"/>
+          <p:cNvSpPr>
+            <a:spLocks noGrp="1"/>
+          </p:cNvSpPr>
+          <p:nvPr>
+            <p:ph idx="1"/>
+          </p:nvPr>
+        </p:nvSpPr>
+        <p:spPr>
+          <a:xfrm>
+            <a:off x="457200" y="1626176"/>
+            <a:ext cx="8229600" cy="3860224"/>
+          </a:xfrm>
+        </p:spPr>
+        <p:txBody>
+          <a:bodyPr>
+            <a:noAutofit/>
+          </a:bodyPr>
+          <a:lstStyle/>
+          <a:p>
+            <a:pPr marL="0" indent="0">
+              <a:buNone/>
+            </a:pPr>
+            <a:r>
+              <a:rPr lang="en-US" sz="1800" b="1" dirty="0" err="1">
+                <a:solidFill>
+                  <a:srgbClr val="376092"/>
+                </a:solidFill>
+                <a:latin typeface="Courier New"/>
+                <a:cs typeface="Courier New"/>
+              </a:rPr>
+              <a:t>sed</a:t>
+            </a:r>
+            <a:r>
+              <a:rPr lang="en-US" sz="1800" b="1" dirty="0">
+                <a:solidFill>
+                  <a:srgbClr val="376092"/>
+                </a:solidFill>
+                <a:latin typeface="Courier New"/>
+                <a:cs typeface="Courier New"/>
+              </a:rPr>
+              <a:t> 's/apple/{&amp;}/' </a:t>
+            </a:r>
+            <a:r>
+              <a:rPr lang="en-US" sz="1800" b="1" dirty="0" err="1">
+                <a:solidFill>
+                  <a:srgbClr val="376092"/>
+                </a:solidFill>
+                <a:latin typeface="Courier New"/>
+                <a:cs typeface="Courier New"/>
+              </a:rPr>
+              <a:t>fruit.txt</a:t>
+            </a:r>
+            <a:endParaRPr lang="en-US" sz="1800" b="1" dirty="0">
               <a:solidFill>
                 <a:srgbClr val="376092"/>
               </a:solidFill>
-            </a:endParaRPr>
-          </a:p>
-        </p:txBody>
-      </p:sp>
-      <p:sp>
-        <p:nvSpPr>
-          <p:cNvPr id="3" name="Content Placeholder 2"/>
-          <p:cNvSpPr>
-            <a:spLocks noGrp="1"/>
-          </p:cNvSpPr>
-          <p:nvPr>
-            <p:ph idx="1"/>
-          </p:nvPr>
-        </p:nvSpPr>
-        <p:spPr>
-          <a:xfrm>
-            <a:off x="387660" y="1562676"/>
-            <a:ext cx="8547100" cy="3288724"/>
-          </a:xfrm>
-        </p:spPr>
-        <p:txBody>
-          <a:bodyPr/>
-          <a:lstStyle/>
-          <a:p>
-            <a:pPr marL="0" indent="0">
-              <a:buNone/>
-            </a:pPr>
-            <a:r>
-              <a:rPr lang="en-US" dirty="0" err="1">
-                <a:latin typeface="Courier New"/>
-                <a:cs typeface="Courier New"/>
-              </a:rPr>
-              <a:t>wget</a:t>
-            </a:r>
-            <a:r>
-              <a:rPr lang="en-US" dirty="0">
-                <a:latin typeface="Courier New"/>
-                <a:cs typeface="Courier New"/>
-              </a:rPr>
-              <a:t> &lt;</a:t>
-            </a:r>
-            <a:r>
-              <a:rPr lang="en-US" dirty="0" err="1">
-                <a:latin typeface="Courier New"/>
-                <a:cs typeface="Courier New"/>
-              </a:rPr>
-              <a:t>url</a:t>
-            </a:r>
-            <a:r>
-              <a:rPr lang="en-US" dirty="0">
-                <a:latin typeface="Courier New"/>
-                <a:cs typeface="Courier New"/>
-              </a:rPr>
-              <a:t> link to a file&gt;</a:t>
-            </a:r>
-          </a:p>
-          <a:p>
-            <a:pPr marL="0" indent="0">
-              <a:buNone/>
-            </a:pPr>
-            <a:r>
-              <a:rPr lang="en-US" dirty="0" err="1">
-                <a:latin typeface="Courier New"/>
-                <a:cs typeface="Courier New"/>
-              </a:rPr>
-              <a:t>wget</a:t>
-            </a:r>
-            <a:r>
-              <a:rPr lang="en-US" dirty="0">
-                <a:latin typeface="Courier New"/>
-                <a:cs typeface="Courier New"/>
-              </a:rPr>
-              <a:t> &lt;a ftp link&gt;</a:t>
-            </a:r>
-          </a:p>
-          <a:p>
-            <a:pPr marL="0" indent="0">
-              <a:buNone/>
-            </a:pPr>
-            <a:endParaRPr lang="en-US" dirty="0">
               <a:latin typeface="Courier New"/>
               <a:cs typeface="Courier New"/>
             </a:endParaRPr>
@@ -6853,18 +6425,54 @@
               <a:buNone/>
             </a:pPr>
             <a:r>
-              <a:rPr lang="en-US" dirty="0">
+              <a:rPr lang="en-US" sz="1800" dirty="0">
                 <a:latin typeface="Courier New"/>
                 <a:cs typeface="Courier New"/>
               </a:rPr>
-              <a:t>example:</a:t>
-            </a:r>
-          </a:p>
-          <a:p>
-            <a:pPr marL="0" indent="0">
-              <a:buNone/>
-            </a:pPr>
-            <a:endParaRPr lang="en-US" sz="2000" dirty="0">
+              <a:t>orange	8</a:t>
+            </a:r>
+          </a:p>
+          <a:p>
+            <a:pPr marL="0" indent="0">
+              <a:buNone/>
+            </a:pPr>
+            <a:r>
+              <a:rPr lang="en-US" sz="1800" dirty="0">
+                <a:latin typeface="Courier New"/>
+                <a:cs typeface="Courier New"/>
+              </a:rPr>
+              <a:t>{apple}	6</a:t>
+            </a:r>
+          </a:p>
+          <a:p>
+            <a:pPr marL="0" indent="0">
+              <a:buNone/>
+            </a:pPr>
+            <a:r>
+              <a:rPr lang="en-US" sz="1800" dirty="0">
+                <a:latin typeface="Courier New"/>
+                <a:cs typeface="Courier New"/>
+              </a:rPr>
+              <a:t>peach	12</a:t>
+            </a:r>
+          </a:p>
+          <a:p>
+            <a:pPr marL="0" indent="0">
+              <a:buNone/>
+            </a:pPr>
+            <a:r>
+              <a:rPr lang="en-US" sz="1800" dirty="0">
+                <a:latin typeface="Courier New"/>
+                <a:cs typeface="Courier New"/>
+              </a:rPr>
+              <a:t>banana	5</a:t>
+            </a:r>
+          </a:p>
+          <a:p>
+            <a:pPr marL="0" indent="0">
+              <a:buNone/>
+            </a:pPr>
+            <a:endParaRPr lang="en-US" sz="1800" dirty="0">
               <a:latin typeface="Courier New"/>
               <a:cs typeface="Courier New"/>
             </a:endParaRPr>
@@ -6881,7 +6489,7 @@
                 <a:latin typeface="Courier New"/>
                 <a:cs typeface="Courier New"/>
               </a:rPr>
-              <a:t>wget</a:t>
+              <a:t>sed</a:t>
             </a:r>
             <a:r>
               <a:rPr lang="en-US" sz="1800" b="1" dirty="0">
@@ -6891,27 +6499,73 @@
                 <a:latin typeface="Courier New"/>
                 <a:cs typeface="Courier New"/>
               </a:rPr>
-              <a:t> </a:t>
-            </a:r>
-            <a:r>
-              <a:rPr lang="en-US" sz="1050" b="1" dirty="0">
+              <a:t> '/12/ s/peach/kiwi/' </a:t>
+            </a:r>
+            <a:r>
+              <a:rPr lang="en-US" sz="1800" b="1" dirty="0" err="1">
                 <a:solidFill>
                   <a:srgbClr val="376092"/>
                 </a:solidFill>
                 <a:latin typeface="Courier New"/>
                 <a:cs typeface="Courier New"/>
               </a:rPr>
-              <a:t>https://as2.ftcdn.net/v2/jpg/05/03/89/91/1000_F_503899118_vcDwyhOuGYA9Z1h0jiHlnjrXQK0Z1DYr.jpg</a:t>
-            </a:r>
-          </a:p>
-          <a:p>
-            <a:pPr marL="0" indent="0">
-              <a:buNone/>
-            </a:pPr>
-            <a:endParaRPr lang="en-US" dirty="0">
+              <a:t>fruit.txt</a:t>
+            </a:r>
+            <a:endParaRPr lang="en-US" sz="1800" b="1" dirty="0">
+              <a:solidFill>
+                <a:srgbClr val="376092"/>
+              </a:solidFill>
               <a:latin typeface="Courier New"/>
               <a:cs typeface="Courier New"/>
             </a:endParaRPr>
+          </a:p>
+          <a:p>
+            <a:pPr marL="0" indent="0">
+              <a:buNone/>
+            </a:pPr>
+            <a:r>
+              <a:rPr lang="en-US" sz="1800" dirty="0">
+                <a:latin typeface="Courier New"/>
+                <a:cs typeface="Courier New"/>
+              </a:rPr>
+              <a:t>orange	8</a:t>
+            </a:r>
+          </a:p>
+          <a:p>
+            <a:pPr marL="0" indent="0">
+              <a:buNone/>
+            </a:pPr>
+            <a:r>
+              <a:rPr lang="en-US" sz="1800" dirty="0">
+                <a:latin typeface="Courier New"/>
+                <a:cs typeface="Courier New"/>
+              </a:rPr>
+              <a:t>apple	6</a:t>
+            </a:r>
+          </a:p>
+          <a:p>
+            <a:pPr marL="0" indent="0">
+              <a:buNone/>
+            </a:pPr>
+            <a:r>
+              <a:rPr lang="en-US" sz="1800" dirty="0">
+                <a:latin typeface="Courier New"/>
+                <a:cs typeface="Courier New"/>
+              </a:rPr>
+              <a:t>kiwi	12</a:t>
+            </a:r>
+          </a:p>
+          <a:p>
+            <a:pPr marL="0" indent="0">
+              <a:buNone/>
+            </a:pPr>
+            <a:r>
+              <a:rPr lang="en-US" sz="1800" dirty="0">
+                <a:latin typeface="Courier New"/>
+                <a:cs typeface="Courier New"/>
+              </a:rPr>
+              <a:t>banana	5</a:t>
+            </a:r>
           </a:p>
         </p:txBody>
       </p:sp>
@@ -6938,10 +6592,242 @@
           </a:p>
         </p:txBody>
       </p:sp>
+      <p:sp>
+        <p:nvSpPr>
+          <p:cNvPr id="5" name="Content Placeholder 2"/>
+          <p:cNvSpPr txBox="1">
+            <a:spLocks/>
+          </p:cNvSpPr>
+          <p:nvPr/>
+        </p:nvSpPr>
+        <p:spPr>
+          <a:xfrm>
+            <a:off x="6705600" y="797726"/>
+            <a:ext cx="1981200" cy="1656900"/>
+          </a:xfrm>
+          <a:prstGeom prst="rect">
+            <a:avLst/>
+          </a:prstGeom>
+        </p:spPr>
+        <p:txBody>
+          <a:bodyPr vert="horz" lIns="91440" tIns="45720" rIns="91440" bIns="45720" rtlCol="0">
+            <a:noAutofit/>
+          </a:bodyPr>
+          <a:lstStyle>
+            <a:lvl1pPr marL="342900" indent="-342900" algn="l" defTabSz="457200" rtl="0" eaLnBrk="1" latinLnBrk="0" hangingPunct="1">
+              <a:spcBef>
+                <a:spcPct val="20000"/>
+              </a:spcBef>
+              <a:buFont typeface="Arial"/>
+              <a:buChar char="•"/>
+              <a:defRPr sz="2400" kern="1200">
+                <a:solidFill>
+                  <a:schemeClr val="tx1"/>
+                </a:solidFill>
+                <a:latin typeface="+mn-lt"/>
+                <a:ea typeface="+mn-ea"/>
+                <a:cs typeface="+mn-cs"/>
+              </a:defRPr>
+            </a:lvl1pPr>
+            <a:lvl2pPr marL="742950" indent="-285750" algn="l" defTabSz="457200" rtl="0" eaLnBrk="1" latinLnBrk="0" hangingPunct="1">
+              <a:spcBef>
+                <a:spcPct val="20000"/>
+              </a:spcBef>
+              <a:buFont typeface="Arial"/>
+              <a:buChar char="–"/>
+              <a:defRPr sz="2400" kern="1200">
+                <a:solidFill>
+                  <a:schemeClr val="tx1"/>
+                </a:solidFill>
+                <a:latin typeface="+mn-lt"/>
+                <a:ea typeface="+mn-ea"/>
+                <a:cs typeface="+mn-cs"/>
+              </a:defRPr>
+            </a:lvl2pPr>
+            <a:lvl3pPr marL="1143000" indent="-228600" algn="l" defTabSz="457200" rtl="0" eaLnBrk="1" latinLnBrk="0" hangingPunct="1">
+              <a:spcBef>
+                <a:spcPct val="20000"/>
+              </a:spcBef>
+              <a:buFont typeface="Arial"/>
+              <a:buChar char="•"/>
+              <a:defRPr sz="2400" kern="1200">
+                <a:solidFill>
+                  <a:schemeClr val="tx1"/>
+                </a:solidFill>
+                <a:latin typeface="+mn-lt"/>
+                <a:ea typeface="+mn-ea"/>
+                <a:cs typeface="+mn-cs"/>
+              </a:defRPr>
+            </a:lvl3pPr>
+            <a:lvl4pPr marL="1600200" indent="-228600" algn="l" defTabSz="457200" rtl="0" eaLnBrk="1" latinLnBrk="0" hangingPunct="1">
+              <a:spcBef>
+                <a:spcPct val="20000"/>
+              </a:spcBef>
+              <a:buFont typeface="Arial"/>
+              <a:buChar char="–"/>
+              <a:defRPr sz="2400" kern="1200">
+                <a:solidFill>
+                  <a:schemeClr val="tx1"/>
+                </a:solidFill>
+                <a:latin typeface="+mn-lt"/>
+                <a:ea typeface="+mn-ea"/>
+                <a:cs typeface="+mn-cs"/>
+              </a:defRPr>
+            </a:lvl4pPr>
+            <a:lvl5pPr marL="2057400" indent="-228600" algn="l" defTabSz="457200" rtl="0" eaLnBrk="1" latinLnBrk="0" hangingPunct="1">
+              <a:spcBef>
+                <a:spcPct val="20000"/>
+              </a:spcBef>
+              <a:buFont typeface="Arial"/>
+              <a:buChar char="»"/>
+              <a:defRPr sz="2400" kern="1200">
+                <a:solidFill>
+                  <a:schemeClr val="tx1"/>
+                </a:solidFill>
+                <a:latin typeface="+mn-lt"/>
+                <a:ea typeface="+mn-ea"/>
+                <a:cs typeface="+mn-cs"/>
+              </a:defRPr>
+            </a:lvl5pPr>
+            <a:lvl6pPr marL="2514600" indent="-228600" algn="l" defTabSz="457200" rtl="0" eaLnBrk="1" latinLnBrk="0" hangingPunct="1">
+              <a:spcBef>
+                <a:spcPct val="20000"/>
+              </a:spcBef>
+              <a:buFont typeface="Arial"/>
+              <a:buChar char="•"/>
+              <a:defRPr sz="2000" kern="1200">
+                <a:solidFill>
+                  <a:schemeClr val="tx1"/>
+                </a:solidFill>
+                <a:latin typeface="+mn-lt"/>
+                <a:ea typeface="+mn-ea"/>
+                <a:cs typeface="+mn-cs"/>
+              </a:defRPr>
+            </a:lvl6pPr>
+            <a:lvl7pPr marL="2971800" indent="-228600" algn="l" defTabSz="457200" rtl="0" eaLnBrk="1" latinLnBrk="0" hangingPunct="1">
+              <a:spcBef>
+                <a:spcPct val="20000"/>
+              </a:spcBef>
+              <a:buFont typeface="Arial"/>
+              <a:buChar char="•"/>
+              <a:defRPr sz="2000" kern="1200">
+                <a:solidFill>
+                  <a:schemeClr val="tx1"/>
+                </a:solidFill>
+                <a:latin typeface="+mn-lt"/>
+                <a:ea typeface="+mn-ea"/>
+                <a:cs typeface="+mn-cs"/>
+              </a:defRPr>
+            </a:lvl7pPr>
+            <a:lvl8pPr marL="3429000" indent="-228600" algn="l" defTabSz="457200" rtl="0" eaLnBrk="1" latinLnBrk="0" hangingPunct="1">
+              <a:spcBef>
+                <a:spcPct val="20000"/>
+              </a:spcBef>
+              <a:buFont typeface="Arial"/>
+              <a:buChar char="•"/>
+              <a:defRPr sz="2000" kern="1200">
+                <a:solidFill>
+                  <a:schemeClr val="tx1"/>
+                </a:solidFill>
+                <a:latin typeface="+mn-lt"/>
+                <a:ea typeface="+mn-ea"/>
+                <a:cs typeface="+mn-cs"/>
+              </a:defRPr>
+            </a:lvl8pPr>
+            <a:lvl9pPr marL="3886200" indent="-228600" algn="l" defTabSz="457200" rtl="0" eaLnBrk="1" latinLnBrk="0" hangingPunct="1">
+              <a:spcBef>
+                <a:spcPct val="20000"/>
+              </a:spcBef>
+              <a:buFont typeface="Arial"/>
+              <a:buChar char="•"/>
+              <a:defRPr sz="2000" kern="1200">
+                <a:solidFill>
+                  <a:schemeClr val="tx1"/>
+                </a:solidFill>
+                <a:latin typeface="+mn-lt"/>
+                <a:ea typeface="+mn-ea"/>
+                <a:cs typeface="+mn-cs"/>
+              </a:defRPr>
+            </a:lvl9pPr>
+          </a:lstStyle>
+          <a:p>
+            <a:pPr marL="0" indent="0">
+              <a:buFont typeface="Arial"/>
+              <a:buNone/>
+            </a:pPr>
+            <a:r>
+              <a:rPr lang="en-US" sz="1600" b="1" dirty="0" err="1">
+                <a:latin typeface="Courier New"/>
+                <a:cs typeface="Courier New"/>
+              </a:rPr>
+              <a:t>fruit.txt</a:t>
+            </a:r>
+            <a:r>
+              <a:rPr lang="en-US" sz="1600" b="1" dirty="0">
+                <a:latin typeface="Courier New"/>
+                <a:cs typeface="Courier New"/>
+              </a:rPr>
+              <a:t> </a:t>
+            </a:r>
+          </a:p>
+          <a:p>
+            <a:pPr marL="0" indent="0">
+              <a:buFont typeface="Arial"/>
+              <a:buNone/>
+            </a:pPr>
+            <a:r>
+              <a:rPr lang="en-US" sz="1600" dirty="0">
+                <a:latin typeface="Courier New"/>
+                <a:cs typeface="Courier New"/>
+              </a:rPr>
+              <a:t>orange	8</a:t>
+            </a:r>
+          </a:p>
+          <a:p>
+            <a:pPr marL="0" indent="0">
+              <a:buFont typeface="Arial"/>
+              <a:buNone/>
+            </a:pPr>
+            <a:r>
+              <a:rPr lang="en-US" sz="1600" dirty="0">
+                <a:latin typeface="Courier New"/>
+                <a:cs typeface="Courier New"/>
+              </a:rPr>
+              <a:t>apple	6</a:t>
+            </a:r>
+          </a:p>
+          <a:p>
+            <a:pPr marL="0" indent="0">
+              <a:buFont typeface="Arial"/>
+              <a:buNone/>
+            </a:pPr>
+            <a:r>
+              <a:rPr lang="en-US" sz="1600" dirty="0">
+                <a:latin typeface="Courier New"/>
+                <a:cs typeface="Courier New"/>
+              </a:rPr>
+              <a:t>peach	12</a:t>
+            </a:r>
+          </a:p>
+          <a:p>
+            <a:pPr marL="0" indent="0">
+              <a:buFont typeface="Arial"/>
+              <a:buNone/>
+            </a:pPr>
+            <a:r>
+              <a:rPr lang="en-US" sz="1600" dirty="0">
+                <a:latin typeface="Courier New"/>
+                <a:cs typeface="Courier New"/>
+              </a:rPr>
+              <a:t>banana	5</a:t>
+            </a:r>
+          </a:p>
+        </p:txBody>
+      </p:sp>
     </p:spTree>
     <p:extLst>
       <p:ext uri="{BB962C8B-B14F-4D97-AF65-F5344CB8AC3E}">
-        <p14:creationId xmlns:p14="http://schemas.microsoft.com/office/powerpoint/2010/main" val="4286291519"/>
+        <p14:creationId xmlns:p14="http://schemas.microsoft.com/office/powerpoint/2010/main" val="1456325795"/>
       </p:ext>
     </p:extLst>
   </p:cSld>
@@ -6978,151 +6864,201 @@
             <p:ph type="title"/>
           </p:nvPr>
         </p:nvSpPr>
+        <p:spPr/>
+        <p:txBody>
+          <a:bodyPr/>
+          <a:lstStyle/>
+          <a:p>
+            <a:r>
+              <a:rPr lang="en-US" b="1" dirty="0" err="1">
+                <a:solidFill>
+                  <a:srgbClr val="376092"/>
+                </a:solidFill>
+              </a:rPr>
+              <a:t>wget</a:t>
+            </a:r>
+            <a:endParaRPr lang="en-US" b="1" dirty="0">
+              <a:solidFill>
+                <a:srgbClr val="376092"/>
+              </a:solidFill>
+            </a:endParaRPr>
+          </a:p>
+        </p:txBody>
+      </p:sp>
+      <p:sp>
+        <p:nvSpPr>
+          <p:cNvPr id="3" name="Content Placeholder 2"/>
+          <p:cNvSpPr>
+            <a:spLocks noGrp="1"/>
+          </p:cNvSpPr>
+          <p:nvPr>
+            <p:ph idx="1"/>
+          </p:nvPr>
+        </p:nvSpPr>
         <p:spPr>
           <a:xfrm>
-            <a:off x="457200" y="274638"/>
-            <a:ext cx="8229600" cy="966333"/>
+            <a:off x="387660" y="1562676"/>
+            <a:ext cx="8547100" cy="3288724"/>
           </a:xfrm>
         </p:spPr>
         <p:txBody>
-          <a:bodyPr>
-            <a:normAutofit/>
-          </a:bodyPr>
-          <a:lstStyle/>
-          <a:p>
-            <a:r>
-              <a:rPr lang="en-US" sz="3200" dirty="0">
-                <a:solidFill>
-                  <a:schemeClr val="accent1">
-                    <a:lumMod val="75000"/>
-                  </a:schemeClr>
-                </a:solidFill>
-              </a:rPr>
-              <a:t>date</a:t>
-            </a:r>
-            <a:r>
-              <a:rPr lang="en-US" sz="3200" dirty="0"/>
-              <a:t> and </a:t>
-            </a:r>
-            <a:r>
-              <a:rPr lang="en-US" sz="3200" dirty="0" err="1">
-                <a:solidFill>
-                  <a:schemeClr val="accent1">
-                    <a:lumMod val="75000"/>
-                  </a:schemeClr>
-                </a:solidFill>
-              </a:rPr>
-              <a:t>cal</a:t>
-            </a:r>
-            <a:endParaRPr lang="en-US" sz="3200" dirty="0">
-              <a:solidFill>
-                <a:schemeClr val="accent1">
-                  <a:lumMod val="75000"/>
-                </a:schemeClr>
-              </a:solidFill>
+          <a:bodyPr/>
+          <a:lstStyle/>
+          <a:p>
+            <a:pPr marL="0" indent="0">
+              <a:buNone/>
+            </a:pPr>
+            <a:r>
+              <a:rPr lang="en-US" dirty="0" err="1">
+                <a:latin typeface="Courier New"/>
+                <a:cs typeface="Courier New"/>
+              </a:rPr>
+              <a:t>wget</a:t>
+            </a:r>
+            <a:r>
+              <a:rPr lang="en-US" dirty="0">
+                <a:latin typeface="Courier New"/>
+                <a:cs typeface="Courier New"/>
+              </a:rPr>
+              <a:t> &lt;</a:t>
+            </a:r>
+            <a:r>
+              <a:rPr lang="en-US" dirty="0" err="1">
+                <a:latin typeface="Courier New"/>
+                <a:cs typeface="Courier New"/>
+              </a:rPr>
+              <a:t>url</a:t>
+            </a:r>
+            <a:r>
+              <a:rPr lang="en-US" dirty="0">
+                <a:latin typeface="Courier New"/>
+                <a:cs typeface="Courier New"/>
+              </a:rPr>
+              <a:t> link to a file&gt;</a:t>
+            </a:r>
+          </a:p>
+          <a:p>
+            <a:pPr marL="0" indent="0">
+              <a:buNone/>
+            </a:pPr>
+            <a:r>
+              <a:rPr lang="en-US" dirty="0" err="1">
+                <a:latin typeface="Courier New"/>
+                <a:cs typeface="Courier New"/>
+              </a:rPr>
+              <a:t>wget</a:t>
+            </a:r>
+            <a:r>
+              <a:rPr lang="en-US" dirty="0">
+                <a:latin typeface="Courier New"/>
+                <a:cs typeface="Courier New"/>
+              </a:rPr>
+              <a:t> &lt;a ftp link&gt;</a:t>
+            </a:r>
+          </a:p>
+          <a:p>
+            <a:pPr marL="0" indent="0">
+              <a:buNone/>
+            </a:pPr>
+            <a:endParaRPr lang="en-US" dirty="0">
+              <a:latin typeface="Courier New"/>
+              <a:cs typeface="Courier New"/>
             </a:endParaRPr>
           </a:p>
-        </p:txBody>
-      </p:sp>
-      <p:sp>
-        <p:nvSpPr>
-          <p:cNvPr id="3" name="Content Placeholder 2"/>
-          <p:cNvSpPr>
-            <a:spLocks noGrp="1"/>
-          </p:cNvSpPr>
-          <p:nvPr>
-            <p:ph idx="1"/>
-          </p:nvPr>
-        </p:nvSpPr>
-        <p:spPr>
-          <a:xfrm>
-            <a:off x="2715324" y="1513876"/>
-            <a:ext cx="3522190" cy="4331753"/>
-          </a:xfrm>
-        </p:spPr>
-        <p:txBody>
-          <a:bodyPr>
-            <a:noAutofit/>
-          </a:bodyPr>
-          <a:lstStyle/>
-          <a:p>
-            <a:r>
-              <a:rPr lang="en-US" sz="2800" dirty="0"/>
-              <a:t>date</a:t>
-            </a:r>
-          </a:p>
-          <a:p>
-            <a:pPr marL="0" indent="0">
-              <a:buNone/>
-            </a:pPr>
-            <a:r>
-              <a:rPr lang="en-US" sz="2800" dirty="0"/>
-              <a:t>date</a:t>
-            </a:r>
-          </a:p>
-          <a:p>
-            <a:pPr marL="0" indent="0">
-              <a:buNone/>
-            </a:pPr>
-            <a:r>
-              <a:rPr lang="en-US" sz="2800" dirty="0"/>
-              <a:t>date -I</a:t>
-            </a:r>
-          </a:p>
-          <a:p>
-            <a:pPr marL="0" indent="0">
-              <a:buNone/>
-            </a:pPr>
-            <a:r>
-              <a:rPr lang="en-US" sz="2800" dirty="0"/>
-              <a:t>date -R</a:t>
-            </a:r>
-          </a:p>
-          <a:p>
-            <a:pPr marL="0" indent="0">
-              <a:buNone/>
-            </a:pPr>
-            <a:endParaRPr lang="en-US" sz="2800" dirty="0"/>
-          </a:p>
-          <a:p>
-            <a:r>
-              <a:rPr lang="en-US" sz="2800" dirty="0" err="1"/>
-              <a:t>cal</a:t>
-            </a:r>
-            <a:endParaRPr lang="en-US" sz="2800" dirty="0"/>
-          </a:p>
-          <a:p>
-            <a:pPr marL="0" indent="0">
-              <a:buNone/>
-            </a:pPr>
-            <a:r>
-              <a:rPr lang="en-US" sz="2800" dirty="0" err="1"/>
-              <a:t>cal</a:t>
-            </a:r>
-            <a:r>
-              <a:rPr lang="en-US" sz="2800" dirty="0"/>
-              <a:t> 2 2016</a:t>
-            </a:r>
-          </a:p>
-          <a:p>
-            <a:pPr marL="0" indent="0">
-              <a:buNone/>
-            </a:pPr>
-            <a:r>
-              <a:rPr lang="en-US" sz="2800" dirty="0" err="1"/>
-              <a:t>cal</a:t>
-            </a:r>
-            <a:r>
-              <a:rPr lang="en-US" sz="2800" dirty="0"/>
-              <a:t> 2016</a:t>
-            </a:r>
+          <a:p>
+            <a:pPr marL="0" indent="0">
+              <a:buNone/>
+            </a:pPr>
+            <a:r>
+              <a:rPr lang="en-US" dirty="0">
+                <a:latin typeface="Courier New"/>
+                <a:cs typeface="Courier New"/>
+              </a:rPr>
+              <a:t>example:</a:t>
+            </a:r>
+          </a:p>
+          <a:p>
+            <a:pPr marL="0" indent="0">
+              <a:buNone/>
+            </a:pPr>
+            <a:endParaRPr lang="en-US" sz="2000" dirty="0">
+              <a:latin typeface="Courier New"/>
+              <a:cs typeface="Courier New"/>
+            </a:endParaRPr>
+          </a:p>
+          <a:p>
+            <a:pPr marL="0" indent="0">
+              <a:buNone/>
+            </a:pPr>
+            <a:r>
+              <a:rPr lang="en-US" sz="1800" b="1" dirty="0" err="1">
+                <a:solidFill>
+                  <a:srgbClr val="376092"/>
+                </a:solidFill>
+                <a:latin typeface="Courier New"/>
+                <a:cs typeface="Courier New"/>
+              </a:rPr>
+              <a:t>wget</a:t>
+            </a:r>
+            <a:r>
+              <a:rPr lang="en-US" sz="1800" b="1" dirty="0">
+                <a:solidFill>
+                  <a:srgbClr val="376092"/>
+                </a:solidFill>
+                <a:latin typeface="Courier New"/>
+                <a:cs typeface="Courier New"/>
+              </a:rPr>
+              <a:t> </a:t>
+            </a:r>
+            <a:r>
+              <a:rPr lang="en-US" sz="1050" b="1" dirty="0">
+                <a:solidFill>
+                  <a:srgbClr val="376092"/>
+                </a:solidFill>
+                <a:latin typeface="Courier New"/>
+                <a:cs typeface="Courier New"/>
+              </a:rPr>
+              <a:t>https://as2.ftcdn.net/v2/jpg/05/03/89/91/1000_F_503899118_vcDwyhOuGYA9Z1h0jiHlnjrXQK0Z1DYr.jpg</a:t>
+            </a:r>
+          </a:p>
+          <a:p>
+            <a:pPr marL="0" indent="0">
+              <a:buNone/>
+            </a:pPr>
+            <a:endParaRPr lang="en-US" dirty="0">
+              <a:latin typeface="Courier New"/>
+              <a:cs typeface="Courier New"/>
+            </a:endParaRPr>
+          </a:p>
+        </p:txBody>
+      </p:sp>
+      <p:sp>
+        <p:nvSpPr>
+          <p:cNvPr id="4" name="Slide Number Placeholder 3"/>
+          <p:cNvSpPr>
+            <a:spLocks noGrp="1"/>
+          </p:cNvSpPr>
+          <p:nvPr>
+            <p:ph type="sldNum" sz="quarter" idx="12"/>
+          </p:nvPr>
+        </p:nvSpPr>
+        <p:spPr/>
+        <p:txBody>
+          <a:bodyPr/>
+          <a:lstStyle/>
+          <a:p>
+            <a:fld id="{9DA039C4-C5F2-1743-BB7A-5D831266C61E}" type="slidenum">
+              <a:rPr lang="en-US" smtClean="0"/>
+              <a:t>19</a:t>
+            </a:fld>
+            <a:endParaRPr lang="en-US"/>
           </a:p>
         </p:txBody>
       </p:sp>
     </p:spTree>
     <p:extLst>
       <p:ext uri="{BB962C8B-B14F-4D97-AF65-F5344CB8AC3E}">
-        <p14:creationId xmlns:p14="http://schemas.microsoft.com/office/powerpoint/2010/main" val="827447023"/>
+        <p14:creationId xmlns:p14="http://schemas.microsoft.com/office/powerpoint/2010/main" val="4286291519"/>
       </p:ext>
     </p:extLst>
   </p:cSld>
@@ -7485,7 +7421,12 @@
             <p:ph type="title"/>
           </p:nvPr>
         </p:nvSpPr>
-        <p:spPr/>
+        <p:spPr>
+          <a:xfrm>
+            <a:off x="457200" y="274638"/>
+            <a:ext cx="8229600" cy="966333"/>
+          </a:xfrm>
+        </p:spPr>
         <p:txBody>
           <a:bodyPr>
             <a:normAutofit/>
@@ -7500,8 +7441,29 @@
                   </a:schemeClr>
                 </a:solidFill>
               </a:rPr>
-              <a:t>sleep</a:t>
-            </a:r>
+              <a:t>date</a:t>
+            </a:r>
+            <a:r>
+              <a:rPr lang="en-US" sz="3200" dirty="0"/>
+              <a:t> and </a:t>
+            </a:r>
+            <a:r>
+              <a:rPr lang="en-US" sz="3200" dirty="0" err="1">
+                <a:solidFill>
+                  <a:schemeClr val="accent1">
+                    <a:lumMod val="75000"/>
+                  </a:schemeClr>
+                </a:solidFill>
+              </a:rPr>
+              <a:t>cal</a:t>
+            </a:r>
+            <a:endParaRPr lang="en-US" sz="3200" dirty="0">
+              <a:solidFill>
+                <a:schemeClr val="accent1">
+                  <a:lumMod val="75000"/>
+                </a:schemeClr>
+              </a:solidFill>
+            </a:endParaRPr>
           </a:p>
         </p:txBody>
       </p:sp>
@@ -7517,50 +7479,85 @@
         </p:nvSpPr>
         <p:spPr>
           <a:xfrm>
-            <a:off x="2995207" y="1386421"/>
-            <a:ext cx="2917080" cy="3086303"/>
+            <a:off x="2715324" y="1513876"/>
+            <a:ext cx="3522190" cy="4331753"/>
           </a:xfrm>
         </p:spPr>
         <p:txBody>
           <a:bodyPr>
-            <a:normAutofit/>
+            <a:noAutofit/>
           </a:bodyPr>
           <a:lstStyle/>
           <a:p>
             <a:r>
               <a:rPr lang="en-US" sz="2800" dirty="0"/>
-              <a:t>sleep</a:t>
-            </a:r>
-            <a:br>
+              <a:t>date</a:t>
+            </a:r>
+          </a:p>
+          <a:p>
+            <a:pPr marL="0" indent="0">
+              <a:buNone/>
+            </a:pPr>
+            <a:r>
               <a:rPr lang="en-US" sz="2800" dirty="0"/>
-            </a:br>
+              <a:t>date</a:t>
+            </a:r>
+          </a:p>
+          <a:p>
+            <a:pPr marL="0" indent="0">
+              <a:buNone/>
+            </a:pPr>
+            <a:r>
+              <a:rPr lang="en-US" sz="2800" dirty="0"/>
+              <a:t>date -I</a:t>
+            </a:r>
+          </a:p>
+          <a:p>
+            <a:pPr marL="0" indent="0">
+              <a:buNone/>
+            </a:pPr>
+            <a:r>
+              <a:rPr lang="en-US" sz="2800" dirty="0"/>
+              <a:t>date -R</a:t>
+            </a:r>
+          </a:p>
+          <a:p>
+            <a:pPr marL="0" indent="0">
+              <a:buNone/>
+            </a:pPr>
             <a:endParaRPr lang="en-US" sz="2800" dirty="0"/>
           </a:p>
           <a:p>
-            <a:pPr marL="0" indent="0">
-              <a:buNone/>
-            </a:pPr>
+            <a:r>
+              <a:rPr lang="en-US" sz="2800" dirty="0" err="1"/>
+              <a:t>cal</a:t>
+            </a:r>
+            <a:endParaRPr lang="en-US" sz="2800" dirty="0"/>
+          </a:p>
+          <a:p>
+            <a:pPr marL="0" indent="0">
+              <a:buNone/>
+            </a:pPr>
+            <a:r>
+              <a:rPr lang="en-US" sz="2800" dirty="0" err="1"/>
+              <a:t>cal</a:t>
+            </a:r>
             <a:r>
               <a:rPr lang="en-US" sz="2800" dirty="0"/>
-              <a:t>sleep 3s</a:t>
-            </a:r>
-          </a:p>
-          <a:p>
-            <a:pPr marL="0" indent="0">
-              <a:buNone/>
-            </a:pPr>
+              <a:t> 2 2016</a:t>
+            </a:r>
+          </a:p>
+          <a:p>
+            <a:pPr marL="0" indent="0">
+              <a:buNone/>
+            </a:pPr>
+            <a:r>
+              <a:rPr lang="en-US" sz="2800" dirty="0" err="1"/>
+              <a:t>cal</a:t>
+            </a:r>
             <a:r>
               <a:rPr lang="en-US" sz="2800" dirty="0"/>
-              <a:t>sleep 3</a:t>
-            </a:r>
-          </a:p>
-          <a:p>
-            <a:pPr marL="0" indent="0">
-              <a:buNone/>
-            </a:pPr>
-            <a:r>
-              <a:rPr lang="en-US" sz="2800" dirty="0"/>
-              <a:t>sleep 1m</a:t>
+              <a:t> 2016</a:t>
             </a:r>
           </a:p>
         </p:txBody>
@@ -7568,7 +7565,7 @@
     </p:spTree>
     <p:extLst>
       <p:ext uri="{BB962C8B-B14F-4D97-AF65-F5344CB8AC3E}">
-        <p14:creationId xmlns:p14="http://schemas.microsoft.com/office/powerpoint/2010/main" val="445269700"/>
+        <p14:creationId xmlns:p14="http://schemas.microsoft.com/office/powerpoint/2010/main" val="827447023"/>
       </p:ext>
     </p:extLst>
   </p:cSld>
@@ -7620,7 +7617,7 @@
                   </a:schemeClr>
                 </a:solidFill>
               </a:rPr>
-              <a:t>clear, history</a:t>
+              <a:t>sleep</a:t>
             </a:r>
           </a:p>
         </p:txBody>
@@ -7637,28 +7634,23 @@
         </p:nvSpPr>
         <p:spPr>
           <a:xfrm>
-            <a:off x="973644" y="1307498"/>
-            <a:ext cx="7713156" cy="4810274"/>
+            <a:off x="2995207" y="1386421"/>
+            <a:ext cx="2917080" cy="3086303"/>
           </a:xfrm>
         </p:spPr>
         <p:txBody>
           <a:bodyPr>
-            <a:noAutofit/>
+            <a:normAutofit/>
           </a:bodyPr>
           <a:lstStyle/>
           <a:p>
             <a:r>
               <a:rPr lang="en-US" sz="2800" dirty="0"/>
-              <a:t>clear: clean the screen</a:t>
-            </a:r>
-          </a:p>
-          <a:p>
-            <a:r>
+              <a:t>sleep</a:t>
+            </a:r>
+            <a:br>
               <a:rPr lang="en-US" sz="2800" dirty="0"/>
-              <a:t>history: display previous input command lines</a:t>
-            </a:r>
-          </a:p>
-          <a:p>
+            </a:br>
             <a:endParaRPr lang="en-US" sz="2800" dirty="0"/>
           </a:p>
           <a:p>
@@ -7667,7 +7659,7 @@
             </a:pPr>
             <a:r>
               <a:rPr lang="en-US" sz="2800" dirty="0"/>
-              <a:t>clear</a:t>
+              <a:t>sleep 3s</a:t>
             </a:r>
           </a:p>
           <a:p>
@@ -7676,7 +7668,7 @@
             </a:pPr>
             <a:r>
               <a:rPr lang="en-US" sz="2800" dirty="0"/>
-              <a:t>history</a:t>
+              <a:t>sleep 3</a:t>
             </a:r>
           </a:p>
           <a:p>
@@ -7685,42 +7677,7 @@
             </a:pPr>
             <a:r>
               <a:rPr lang="en-US" sz="2800" dirty="0"/>
-              <a:t>history | more</a:t>
-            </a:r>
-          </a:p>
-          <a:p>
-            <a:pPr marL="0" indent="0">
-              <a:buNone/>
-            </a:pPr>
-            <a:r>
-              <a:rPr lang="en-US" sz="2800" dirty="0"/>
-              <a:t>history | </a:t>
-            </a:r>
-            <a:r>
-              <a:rPr lang="en-US" sz="2800" dirty="0" err="1"/>
-              <a:t>grep</a:t>
-            </a:r>
-            <a:r>
-              <a:rPr lang="en-US" sz="2800" dirty="0"/>
-              <a:t> “paste”</a:t>
-            </a:r>
-          </a:p>
-          <a:p>
-            <a:pPr marL="0" indent="0">
-              <a:buNone/>
-            </a:pPr>
-            <a:r>
-              <a:rPr lang="en-US" sz="2800" dirty="0"/>
-              <a:t>history &gt; practice01282016.sh</a:t>
-            </a:r>
-          </a:p>
-          <a:p>
-            <a:pPr marL="0" indent="0">
-              <a:buNone/>
-            </a:pPr>
-            <a:r>
-              <a:rPr lang="en-US" sz="2800" dirty="0"/>
-              <a:t>clear</a:t>
+              <a:t>sleep 1m</a:t>
             </a:r>
           </a:p>
         </p:txBody>
@@ -7728,7 +7685,7 @@
     </p:spTree>
     <p:extLst>
       <p:ext uri="{BB962C8B-B14F-4D97-AF65-F5344CB8AC3E}">
-        <p14:creationId xmlns:p14="http://schemas.microsoft.com/office/powerpoint/2010/main" val="3647090998"/>
+        <p14:creationId xmlns:p14="http://schemas.microsoft.com/office/powerpoint/2010/main" val="445269700"/>
       </p:ext>
     </p:extLst>
   </p:cSld>
@@ -7767,12 +7724,20 @@
         </p:nvSpPr>
         <p:spPr/>
         <p:txBody>
-          <a:bodyPr/>
-          <a:lstStyle/>
-          <a:p>
-            <a:r>
-              <a:rPr lang="en-US" dirty="0"/>
-              <a:t>Modification of file/directory permissions</a:t>
+          <a:bodyPr>
+            <a:normAutofit/>
+          </a:bodyPr>
+          <a:lstStyle/>
+          <a:p>
+            <a:r>
+              <a:rPr lang="en-US" sz="3200" dirty="0">
+                <a:solidFill>
+                  <a:schemeClr val="accent1">
+                    <a:lumMod val="75000"/>
+                  </a:schemeClr>
+                </a:solidFill>
+              </a:rPr>
+              <a:t>clear, history</a:t>
             </a:r>
           </a:p>
         </p:txBody>
@@ -7784,234 +7749,95 @@
             <a:spLocks noGrp="1"/>
           </p:cNvSpPr>
           <p:nvPr>
-            <p:ph sz="half" idx="1"/>
+            <p:ph idx="1"/>
           </p:nvPr>
         </p:nvSpPr>
         <p:spPr>
           <a:xfrm>
-            <a:off x="457200" y="1380066"/>
-            <a:ext cx="8229600" cy="880533"/>
+            <a:off x="973644" y="1307498"/>
+            <a:ext cx="7713156" cy="4810274"/>
           </a:xfrm>
         </p:spPr>
         <p:txBody>
           <a:bodyPr>
-            <a:normAutofit lnSpcReduction="10000"/>
+            <a:noAutofit/>
           </a:bodyPr>
           <a:lstStyle/>
           <a:p>
             <a:r>
-              <a:rPr lang="en-US" b="1" dirty="0" err="1">
-                <a:solidFill>
-                  <a:schemeClr val="tx2">
-                    <a:lumMod val="75000"/>
-                  </a:schemeClr>
-                </a:solidFill>
-              </a:rPr>
-              <a:t>chmod</a:t>
-            </a:r>
-            <a:r>
-              <a:rPr lang="en-US" dirty="0"/>
-              <a:t> - change the access permissions to files and directories</a:t>
-            </a:r>
-          </a:p>
-        </p:txBody>
-      </p:sp>
-      <p:sp>
-        <p:nvSpPr>
-          <p:cNvPr id="5" name="Slide Number Placeholder 4"/>
-          <p:cNvSpPr>
-            <a:spLocks noGrp="1"/>
-          </p:cNvSpPr>
-          <p:nvPr>
-            <p:ph type="sldNum" sz="quarter" idx="12"/>
-          </p:nvPr>
-        </p:nvSpPr>
-        <p:spPr/>
-        <p:txBody>
-          <a:bodyPr/>
-          <a:lstStyle/>
-          <a:p>
-            <a:fld id="{9DA039C4-C5F2-1743-BB7A-5D831266C61E}" type="slidenum">
-              <a:rPr lang="en-US" smtClean="0"/>
-              <a:t>22</a:t>
-            </a:fld>
-            <a:endParaRPr lang="en-US"/>
-          </a:p>
-        </p:txBody>
-      </p:sp>
-      <p:sp>
-        <p:nvSpPr>
-          <p:cNvPr id="6" name="Rectangle 5"/>
-          <p:cNvSpPr/>
-          <p:nvPr/>
-        </p:nvSpPr>
-        <p:spPr>
-          <a:xfrm>
-            <a:off x="812800" y="2780950"/>
-            <a:ext cx="4432674" cy="461665"/>
-          </a:xfrm>
-          <a:prstGeom prst="rect">
-            <a:avLst/>
-          </a:prstGeom>
-        </p:spPr>
-        <p:txBody>
-          <a:bodyPr wrap="none">
-            <a:spAutoFit/>
-          </a:bodyPr>
-          <a:lstStyle/>
-          <a:p>
-            <a:r>
-              <a:rPr lang="en-US" sz="2400" dirty="0">
-                <a:latin typeface="Courier"/>
-                <a:cs typeface="Courier"/>
-              </a:rPr>
-              <a:t>% </a:t>
-            </a:r>
-            <a:r>
-              <a:rPr lang="en-US" sz="2400" dirty="0" err="1">
-                <a:latin typeface="Courier"/>
-                <a:cs typeface="Courier"/>
-              </a:rPr>
-              <a:t>chmod</a:t>
-            </a:r>
-            <a:r>
-              <a:rPr lang="en-US" sz="2400" dirty="0">
-                <a:latin typeface="Courier"/>
-                <a:cs typeface="Courier"/>
-              </a:rPr>
-              <a:t> </a:t>
-            </a:r>
-            <a:r>
-              <a:rPr lang="en-US" sz="2400" dirty="0" err="1">
-                <a:latin typeface="Courier"/>
-                <a:cs typeface="Courier"/>
-              </a:rPr>
-              <a:t>g+w</a:t>
-            </a:r>
-            <a:r>
-              <a:rPr lang="en-US" sz="2400" dirty="0">
-                <a:latin typeface="Courier"/>
-                <a:cs typeface="Courier"/>
-              </a:rPr>
-              <a:t> &lt;file name&gt;</a:t>
-            </a:r>
-          </a:p>
-        </p:txBody>
-      </p:sp>
-      <p:sp>
-        <p:nvSpPr>
-          <p:cNvPr id="9" name="Rectangle 8"/>
-          <p:cNvSpPr/>
-          <p:nvPr/>
-        </p:nvSpPr>
-        <p:spPr>
-          <a:xfrm>
-            <a:off x="812800" y="3804919"/>
-            <a:ext cx="4617370" cy="461665"/>
-          </a:xfrm>
-          <a:prstGeom prst="rect">
-            <a:avLst/>
-          </a:prstGeom>
-        </p:spPr>
-        <p:txBody>
-          <a:bodyPr wrap="none">
-            <a:spAutoFit/>
-          </a:bodyPr>
-          <a:lstStyle/>
-          <a:p>
-            <a:r>
-              <a:rPr lang="en-US" sz="2400" dirty="0">
-                <a:latin typeface="Courier"/>
-                <a:cs typeface="Courier"/>
-              </a:rPr>
-              <a:t>% </a:t>
-            </a:r>
-            <a:r>
-              <a:rPr lang="en-US" sz="2400" dirty="0" err="1">
-                <a:latin typeface="Courier"/>
-                <a:cs typeface="Courier"/>
-              </a:rPr>
-              <a:t>chmod</a:t>
-            </a:r>
-            <a:r>
-              <a:rPr lang="en-US" sz="2400" dirty="0">
-                <a:latin typeface="Courier"/>
-                <a:cs typeface="Courier"/>
-              </a:rPr>
-              <a:t> </a:t>
-            </a:r>
-            <a:r>
-              <a:rPr lang="en-US" sz="2400" dirty="0" err="1">
-                <a:latin typeface="Courier"/>
-                <a:cs typeface="Courier"/>
-              </a:rPr>
-              <a:t>ug</a:t>
-            </a:r>
-            <a:r>
-              <a:rPr lang="en-US" sz="2400" dirty="0">
-                <a:latin typeface="Courier"/>
-                <a:cs typeface="Courier"/>
-              </a:rPr>
-              <a:t>-w &lt;file name&gt;</a:t>
-            </a:r>
-          </a:p>
-        </p:txBody>
-      </p:sp>
-      <p:sp>
-        <p:nvSpPr>
-          <p:cNvPr id="16" name="Rectangle 15"/>
-          <p:cNvSpPr/>
-          <p:nvPr/>
-        </p:nvSpPr>
-        <p:spPr>
-          <a:xfrm>
-            <a:off x="812800" y="4968218"/>
-            <a:ext cx="5356154" cy="461665"/>
-          </a:xfrm>
-          <a:prstGeom prst="rect">
-            <a:avLst/>
-          </a:prstGeom>
-        </p:spPr>
-        <p:txBody>
-          <a:bodyPr wrap="none">
-            <a:spAutoFit/>
-          </a:bodyPr>
-          <a:lstStyle/>
-          <a:p>
-            <a:r>
-              <a:rPr lang="en-US" sz="2400" dirty="0">
-                <a:latin typeface="Courier"/>
-                <a:cs typeface="Courier"/>
-              </a:rPr>
-              <a:t>% </a:t>
-            </a:r>
-            <a:r>
-              <a:rPr lang="en-US" sz="2400" dirty="0" err="1">
-                <a:latin typeface="Courier"/>
-                <a:cs typeface="Courier"/>
-              </a:rPr>
-              <a:t>chmod</a:t>
-            </a:r>
-            <a:r>
-              <a:rPr lang="en-US" sz="2400" dirty="0">
-                <a:latin typeface="Courier"/>
-                <a:cs typeface="Courier"/>
-              </a:rPr>
-              <a:t> </a:t>
-            </a:r>
-            <a:r>
-              <a:rPr lang="en-US" sz="2400" dirty="0" err="1">
-                <a:latin typeface="Courier"/>
-                <a:cs typeface="Courier"/>
-              </a:rPr>
-              <a:t>u+w,go-r</a:t>
-            </a:r>
-            <a:r>
-              <a:rPr lang="en-US" sz="2400" dirty="0">
-                <a:latin typeface="Courier"/>
-                <a:cs typeface="Courier"/>
-              </a:rPr>
-              <a:t> &lt;file name&gt;</a:t>
+              <a:rPr lang="en-US" sz="2800" dirty="0"/>
+              <a:t>clear: clean the screen</a:t>
+            </a:r>
+          </a:p>
+          <a:p>
+            <a:r>
+              <a:rPr lang="en-US" sz="2800" dirty="0"/>
+              <a:t>history: display previous input command lines</a:t>
+            </a:r>
+          </a:p>
+          <a:p>
+            <a:endParaRPr lang="en-US" sz="2800" dirty="0"/>
+          </a:p>
+          <a:p>
+            <a:pPr marL="0" indent="0">
+              <a:buNone/>
+            </a:pPr>
+            <a:r>
+              <a:rPr lang="en-US" sz="2800" dirty="0"/>
+              <a:t>clear</a:t>
+            </a:r>
+          </a:p>
+          <a:p>
+            <a:pPr marL="0" indent="0">
+              <a:buNone/>
+            </a:pPr>
+            <a:r>
+              <a:rPr lang="en-US" sz="2800" dirty="0"/>
+              <a:t>history</a:t>
+            </a:r>
+          </a:p>
+          <a:p>
+            <a:pPr marL="0" indent="0">
+              <a:buNone/>
+            </a:pPr>
+            <a:r>
+              <a:rPr lang="en-US" sz="2800" dirty="0"/>
+              <a:t>history | more</a:t>
+            </a:r>
+          </a:p>
+          <a:p>
+            <a:pPr marL="0" indent="0">
+              <a:buNone/>
+            </a:pPr>
+            <a:r>
+              <a:rPr lang="en-US" sz="2800" dirty="0"/>
+              <a:t>history | </a:t>
+            </a:r>
+            <a:r>
+              <a:rPr lang="en-US" sz="2800" dirty="0" err="1"/>
+              <a:t>grep</a:t>
+            </a:r>
+            <a:r>
+              <a:rPr lang="en-US" sz="2800" dirty="0"/>
+              <a:t> “paste”</a:t>
+            </a:r>
+          </a:p>
+          <a:p>
+            <a:pPr marL="0" indent="0">
+              <a:buNone/>
+            </a:pPr>
+            <a:r>
+              <a:rPr lang="en-US" sz="2800" dirty="0"/>
+              <a:t>history &gt; practice01282016.sh</a:t>
+            </a:r>
+          </a:p>
+          <a:p>
+            <a:pPr marL="0" indent="0">
+              <a:buNone/>
+            </a:pPr>
+            <a:r>
+              <a:rPr lang="en-US" sz="2800" dirty="0"/>
+              <a:t>clear</a:t>
             </a:r>
           </a:p>
         </p:txBody>
@@ -8019,7 +7845,7 @@
     </p:spTree>
     <p:extLst>
       <p:ext uri="{BB962C8B-B14F-4D97-AF65-F5344CB8AC3E}">
-        <p14:creationId xmlns:p14="http://schemas.microsoft.com/office/powerpoint/2010/main" val="1820539354"/>
+        <p14:creationId xmlns:p14="http://schemas.microsoft.com/office/powerpoint/2010/main" val="3647090998"/>
       </p:ext>
     </p:extLst>
   </p:cSld>
@@ -8056,6 +7882,297 @@
             <p:ph type="title"/>
           </p:nvPr>
         </p:nvSpPr>
+        <p:spPr/>
+        <p:txBody>
+          <a:bodyPr/>
+          <a:lstStyle/>
+          <a:p>
+            <a:r>
+              <a:rPr lang="en-US" dirty="0"/>
+              <a:t>Modification of file/directory permissions</a:t>
+            </a:r>
+          </a:p>
+        </p:txBody>
+      </p:sp>
+      <p:sp>
+        <p:nvSpPr>
+          <p:cNvPr id="3" name="Content Placeholder 2"/>
+          <p:cNvSpPr>
+            <a:spLocks noGrp="1"/>
+          </p:cNvSpPr>
+          <p:nvPr>
+            <p:ph sz="half" idx="1"/>
+          </p:nvPr>
+        </p:nvSpPr>
+        <p:spPr>
+          <a:xfrm>
+            <a:off x="457200" y="1380066"/>
+            <a:ext cx="8229600" cy="880533"/>
+          </a:xfrm>
+        </p:spPr>
+        <p:txBody>
+          <a:bodyPr>
+            <a:normAutofit lnSpcReduction="10000"/>
+          </a:bodyPr>
+          <a:lstStyle/>
+          <a:p>
+            <a:r>
+              <a:rPr lang="en-US" b="1" dirty="0" err="1">
+                <a:solidFill>
+                  <a:schemeClr val="tx2">
+                    <a:lumMod val="75000"/>
+                  </a:schemeClr>
+                </a:solidFill>
+              </a:rPr>
+              <a:t>chmod</a:t>
+            </a:r>
+            <a:r>
+              <a:rPr lang="en-US" dirty="0"/>
+              <a:t> - change the access permissions to files and directories</a:t>
+            </a:r>
+          </a:p>
+        </p:txBody>
+      </p:sp>
+      <p:sp>
+        <p:nvSpPr>
+          <p:cNvPr id="5" name="Slide Number Placeholder 4"/>
+          <p:cNvSpPr>
+            <a:spLocks noGrp="1"/>
+          </p:cNvSpPr>
+          <p:nvPr>
+            <p:ph type="sldNum" sz="quarter" idx="12"/>
+          </p:nvPr>
+        </p:nvSpPr>
+        <p:spPr/>
+        <p:txBody>
+          <a:bodyPr/>
+          <a:lstStyle/>
+          <a:p>
+            <a:fld id="{9DA039C4-C5F2-1743-BB7A-5D831266C61E}" type="slidenum">
+              <a:rPr lang="en-US" smtClean="0"/>
+              <a:t>23</a:t>
+            </a:fld>
+            <a:endParaRPr lang="en-US"/>
+          </a:p>
+        </p:txBody>
+      </p:sp>
+      <p:sp>
+        <p:nvSpPr>
+          <p:cNvPr id="6" name="Rectangle 5"/>
+          <p:cNvSpPr/>
+          <p:nvPr/>
+        </p:nvSpPr>
+        <p:spPr>
+          <a:xfrm>
+            <a:off x="812800" y="2780950"/>
+            <a:ext cx="4432674" cy="461665"/>
+          </a:xfrm>
+          <a:prstGeom prst="rect">
+            <a:avLst/>
+          </a:prstGeom>
+        </p:spPr>
+        <p:txBody>
+          <a:bodyPr wrap="none">
+            <a:spAutoFit/>
+          </a:bodyPr>
+          <a:lstStyle/>
+          <a:p>
+            <a:r>
+              <a:rPr lang="en-US" sz="2400" dirty="0">
+                <a:latin typeface="Courier"/>
+                <a:cs typeface="Courier"/>
+              </a:rPr>
+              <a:t>% </a:t>
+            </a:r>
+            <a:r>
+              <a:rPr lang="en-US" sz="2400" dirty="0" err="1">
+                <a:latin typeface="Courier"/>
+                <a:cs typeface="Courier"/>
+              </a:rPr>
+              <a:t>chmod</a:t>
+            </a:r>
+            <a:r>
+              <a:rPr lang="en-US" sz="2400" dirty="0">
+                <a:latin typeface="Courier"/>
+                <a:cs typeface="Courier"/>
+              </a:rPr>
+              <a:t> </a:t>
+            </a:r>
+            <a:r>
+              <a:rPr lang="en-US" sz="2400" dirty="0" err="1">
+                <a:latin typeface="Courier"/>
+                <a:cs typeface="Courier"/>
+              </a:rPr>
+              <a:t>g+w</a:t>
+            </a:r>
+            <a:r>
+              <a:rPr lang="en-US" sz="2400" dirty="0">
+                <a:latin typeface="Courier"/>
+                <a:cs typeface="Courier"/>
+              </a:rPr>
+              <a:t> &lt;file name&gt;</a:t>
+            </a:r>
+          </a:p>
+        </p:txBody>
+      </p:sp>
+      <p:sp>
+        <p:nvSpPr>
+          <p:cNvPr id="9" name="Rectangle 8"/>
+          <p:cNvSpPr/>
+          <p:nvPr/>
+        </p:nvSpPr>
+        <p:spPr>
+          <a:xfrm>
+            <a:off x="812800" y="3804919"/>
+            <a:ext cx="4617370" cy="461665"/>
+          </a:xfrm>
+          <a:prstGeom prst="rect">
+            <a:avLst/>
+          </a:prstGeom>
+        </p:spPr>
+        <p:txBody>
+          <a:bodyPr wrap="none">
+            <a:spAutoFit/>
+          </a:bodyPr>
+          <a:lstStyle/>
+          <a:p>
+            <a:r>
+              <a:rPr lang="en-US" sz="2400" dirty="0">
+                <a:latin typeface="Courier"/>
+                <a:cs typeface="Courier"/>
+              </a:rPr>
+              <a:t>% </a:t>
+            </a:r>
+            <a:r>
+              <a:rPr lang="en-US" sz="2400" dirty="0" err="1">
+                <a:latin typeface="Courier"/>
+                <a:cs typeface="Courier"/>
+              </a:rPr>
+              <a:t>chmod</a:t>
+            </a:r>
+            <a:r>
+              <a:rPr lang="en-US" sz="2400" dirty="0">
+                <a:latin typeface="Courier"/>
+                <a:cs typeface="Courier"/>
+              </a:rPr>
+              <a:t> </a:t>
+            </a:r>
+            <a:r>
+              <a:rPr lang="en-US" sz="2400" dirty="0" err="1">
+                <a:latin typeface="Courier"/>
+                <a:cs typeface="Courier"/>
+              </a:rPr>
+              <a:t>ug</a:t>
+            </a:r>
+            <a:r>
+              <a:rPr lang="en-US" sz="2400" dirty="0">
+                <a:latin typeface="Courier"/>
+                <a:cs typeface="Courier"/>
+              </a:rPr>
+              <a:t>-w &lt;file name&gt;</a:t>
+            </a:r>
+          </a:p>
+        </p:txBody>
+      </p:sp>
+      <p:sp>
+        <p:nvSpPr>
+          <p:cNvPr id="16" name="Rectangle 15"/>
+          <p:cNvSpPr/>
+          <p:nvPr/>
+        </p:nvSpPr>
+        <p:spPr>
+          <a:xfrm>
+            <a:off x="812800" y="4968218"/>
+            <a:ext cx="5356154" cy="461665"/>
+          </a:xfrm>
+          <a:prstGeom prst="rect">
+            <a:avLst/>
+          </a:prstGeom>
+        </p:spPr>
+        <p:txBody>
+          <a:bodyPr wrap="none">
+            <a:spAutoFit/>
+          </a:bodyPr>
+          <a:lstStyle/>
+          <a:p>
+            <a:r>
+              <a:rPr lang="en-US" sz="2400" dirty="0">
+                <a:latin typeface="Courier"/>
+                <a:cs typeface="Courier"/>
+              </a:rPr>
+              <a:t>% </a:t>
+            </a:r>
+            <a:r>
+              <a:rPr lang="en-US" sz="2400" dirty="0" err="1">
+                <a:latin typeface="Courier"/>
+                <a:cs typeface="Courier"/>
+              </a:rPr>
+              <a:t>chmod</a:t>
+            </a:r>
+            <a:r>
+              <a:rPr lang="en-US" sz="2400" dirty="0">
+                <a:latin typeface="Courier"/>
+                <a:cs typeface="Courier"/>
+              </a:rPr>
+              <a:t> </a:t>
+            </a:r>
+            <a:r>
+              <a:rPr lang="en-US" sz="2400" dirty="0" err="1">
+                <a:latin typeface="Courier"/>
+                <a:cs typeface="Courier"/>
+              </a:rPr>
+              <a:t>u+w,go-r</a:t>
+            </a:r>
+            <a:r>
+              <a:rPr lang="en-US" sz="2400" dirty="0">
+                <a:latin typeface="Courier"/>
+                <a:cs typeface="Courier"/>
+              </a:rPr>
+              <a:t> &lt;file name&gt;</a:t>
+            </a:r>
+          </a:p>
+        </p:txBody>
+      </p:sp>
+    </p:spTree>
+    <p:extLst>
+      <p:ext uri="{BB962C8B-B14F-4D97-AF65-F5344CB8AC3E}">
+        <p14:creationId xmlns:p14="http://schemas.microsoft.com/office/powerpoint/2010/main" val="1820539354"/>
+      </p:ext>
+    </p:extLst>
+  </p:cSld>
+  <p:clrMapOvr>
+    <a:masterClrMapping/>
+  </p:clrMapOvr>
+</p:sld>
+</file>
+
+<file path=ppt/slides/slide24.xml><?xml version="1.0" encoding="utf-8"?>
+<p:sld xmlns:a="http://schemas.openxmlformats.org/drawingml/2006/main" xmlns:r="http://schemas.openxmlformats.org/officeDocument/2006/relationships" xmlns:p="http://schemas.openxmlformats.org/presentationml/2006/main">
+  <p:cSld>
+    <p:spTree>
+      <p:nvGrpSpPr>
+        <p:cNvPr id="1" name=""/>
+        <p:cNvGrpSpPr/>
+        <p:nvPr/>
+      </p:nvGrpSpPr>
+      <p:grpSpPr>
+        <a:xfrm>
+          <a:off x="0" y="0"/>
+          <a:ext cx="0" cy="0"/>
+          <a:chOff x="0" y="0"/>
+          <a:chExt cx="0" cy="0"/>
+        </a:xfrm>
+      </p:grpSpPr>
+      <p:sp>
+        <p:nvSpPr>
+          <p:cNvPr id="2" name="Title 1"/>
+          <p:cNvSpPr>
+            <a:spLocks noGrp="1"/>
+          </p:cNvSpPr>
+          <p:nvPr>
+            <p:ph type="title"/>
+          </p:nvPr>
+        </p:nvSpPr>
         <p:spPr>
           <a:xfrm>
             <a:off x="457200" y="274638"/>
@@ -8130,7 +8247,7 @@
 </p:sld>
 </file>
 
-<file path=ppt/slides/slide24.xml><?xml version="1.0" encoding="utf-8"?>
+<file path=ppt/slides/slide25.xml><?xml version="1.0" encoding="utf-8"?>
 <p:sld xmlns:a="http://schemas.openxmlformats.org/drawingml/2006/main" xmlns:r="http://schemas.openxmlformats.org/officeDocument/2006/relationships" xmlns:p="http://schemas.openxmlformats.org/presentationml/2006/main">
   <p:cSld>
     <p:spTree>
